--- a/notes/ML-TDDFT.pptx
+++ b/notes/ML-TDDFT.pptx
@@ -3,25 +3,22 @@
 <p:presentation xmlns:a="http://schemas.openxmlformats.org/drawingml/2006/main" xmlns:r="http://schemas.openxmlformats.org/officeDocument/2006/relationships" xmlns:p="http://schemas.openxmlformats.org/presentationml/2006/main">
   <p:sldMasterIdLst>
     <p:sldMasterId id="2147483648" r:id="rId1"/>
-    <p:sldMasterId id="2147483660" r:id="rId3"/>
   </p:sldMasterIdLst>
   <p:notesMasterIdLst>
-    <p:notesMasterId r:id="rId12"/>
+    <p:notesMasterId r:id="rId8"/>
   </p:notesMasterIdLst>
   <p:sldIdLst>
-    <p:sldId id="261" r:id="rId4"/>
-    <p:sldId id="275" r:id="rId5"/>
-    <p:sldId id="273" r:id="rId6"/>
-    <p:sldId id="271" r:id="rId7"/>
-    <p:sldId id="274" r:id="rId8"/>
-    <p:sldId id="272" r:id="rId9"/>
-    <p:sldId id="269" r:id="rId10"/>
-    <p:sldId id="270" r:id="rId11"/>
+    <p:sldId id="273" r:id="rId3"/>
+    <p:sldId id="271" r:id="rId4"/>
+    <p:sldId id="274" r:id="rId5"/>
+    <p:sldId id="272" r:id="rId6"/>
+    <p:sldId id="269" r:id="rId7"/>
+    <p:sldId id="270" r:id="rId9"/>
   </p:sldIdLst>
   <p:sldSz cx="12192000" cy="6858000"/>
   <p:notesSz cx="6858000" cy="9144000"/>
   <p:custDataLst>
-    <p:tags r:id="rId16"/>
+    <p:tags r:id="rId13"/>
   </p:custDataLst>
   <p:defaultTextStyle>
     <a:defPPr>
@@ -468,6 +465,54 @@
 </p:notesMaster>
 </file>
 
+<file path=ppt/notesSlides/notesSlide1.xml><?xml version="1.0" encoding="utf-8"?>
+<p:notes xmlns:a="http://schemas.openxmlformats.org/drawingml/2006/main" xmlns:r="http://schemas.openxmlformats.org/officeDocument/2006/relationships" xmlns:p="http://schemas.openxmlformats.org/presentationml/2006/main">
+  <p:cSld>
+    <p:spTree>
+      <p:nvGrpSpPr>
+        <p:cNvPr id="1" name=""/>
+        <p:cNvGrpSpPr/>
+        <p:nvPr/>
+      </p:nvGrpSpPr>
+      <p:grpSpPr/>
+      <p:sp>
+        <p:nvSpPr>
+          <p:cNvPr id="2" name="幻燈片圖像佔位符 1"/>
+          <p:cNvSpPr>
+            <a:spLocks noGrp="1"/>
+          </p:cNvSpPr>
+          <p:nvPr>
+            <p:ph type="sldImg" idx="2"/>
+          </p:nvPr>
+        </p:nvSpPr>
+        <p:spPr/>
+      </p:sp>
+      <p:sp>
+        <p:nvSpPr>
+          <p:cNvPr id="3" name="文字佔位符 2"/>
+          <p:cNvSpPr>
+            <a:spLocks noGrp="1"/>
+          </p:cNvSpPr>
+          <p:nvPr>
+            <p:ph type="body" idx="3"/>
+          </p:nvPr>
+        </p:nvSpPr>
+        <p:spPr/>
+        <p:txBody>
+          <a:bodyPr/>
+          <a:p>
+            <a:endParaRPr lang="zh-HK" altLang="en-US"/>
+          </a:p>
+        </p:txBody>
+      </p:sp>
+    </p:spTree>
+  </p:cSld>
+  <p:clrMapOvr>
+    <a:masterClrMapping/>
+  </p:clrMapOvr>
+</p:notes>
+</file>
+
 <file path=ppt/slideLayouts/slideLayout1.xml><?xml version="1.0" encoding="utf-8"?>
 <p:sldLayout xmlns:a="http://schemas.openxmlformats.org/drawingml/2006/main" xmlns:r="http://schemas.openxmlformats.org/officeDocument/2006/relationships" xmlns:p="http://schemas.openxmlformats.org/presentationml/2006/main" type="title" preserve="1">
   <p:cSld name="标题幻灯片">
@@ -1012,1715 +1057,6 @@
 </p:sldLayout>
 </file>
 
-<file path=ppt/slideLayouts/slideLayout12.xml><?xml version="1.0" encoding="utf-8"?>
-<p:sldLayout xmlns:a="http://schemas.openxmlformats.org/drawingml/2006/main" xmlns:r="http://schemas.openxmlformats.org/officeDocument/2006/relationships" xmlns:p="http://schemas.openxmlformats.org/presentationml/2006/main" type="title" preserve="1">
-  <p:cSld name="标题幻灯片">
-    <p:spTree>
-      <p:nvGrpSpPr>
-        <p:cNvPr id="1" name=""/>
-        <p:cNvGrpSpPr/>
-        <p:nvPr/>
-      </p:nvGrpSpPr>
-      <p:grpSpPr>
-        <a:xfrm>
-          <a:off x="0" y="0"/>
-          <a:ext cx="0" cy="0"/>
-          <a:chOff x="0" y="0"/>
-          <a:chExt cx="0" cy="0"/>
-        </a:xfrm>
-      </p:grpSpPr>
-      <p:sp>
-        <p:nvSpPr>
-          <p:cNvPr id="2" name="标题 1"/>
-          <p:cNvSpPr>
-            <a:spLocks noGrp="1"/>
-          </p:cNvSpPr>
-          <p:nvPr>
-            <p:ph type="ctrTitle"/>
-          </p:nvPr>
-        </p:nvSpPr>
-        <p:spPr>
-          <a:xfrm>
-            <a:off x="1524000" y="1122363"/>
-            <a:ext cx="9144000" cy="2387600"/>
-          </a:xfrm>
-        </p:spPr>
-        <p:txBody>
-          <a:bodyPr anchor="b"/>
-          <a:lstStyle>
-            <a:lvl1pPr algn="ctr">
-              <a:defRPr sz="6000"/>
-            </a:lvl1pPr>
-          </a:lstStyle>
-          <a:p>
-            <a:r>
-              <a:rPr lang="zh-CN" altLang="en-US" smtClean="0"/>
-              <a:t>单击此处编辑母版标题样式</a:t>
-            </a:r>
-            <a:endParaRPr lang="zh-CN" altLang="en-US"/>
-          </a:p>
-        </p:txBody>
-      </p:sp>
-      <p:sp>
-        <p:nvSpPr>
-          <p:cNvPr id="3" name="副标题 2"/>
-          <p:cNvSpPr>
-            <a:spLocks noGrp="1"/>
-          </p:cNvSpPr>
-          <p:nvPr>
-            <p:ph type="subTitle" idx="1"/>
-          </p:nvPr>
-        </p:nvSpPr>
-        <p:spPr>
-          <a:xfrm>
-            <a:off x="1524000" y="3602038"/>
-            <a:ext cx="9144000" cy="1655762"/>
-          </a:xfrm>
-        </p:spPr>
-        <p:txBody>
-          <a:bodyPr/>
-          <a:lstStyle>
-            <a:lvl1pPr marL="0" indent="0" algn="ctr">
-              <a:buNone/>
-              <a:defRPr sz="2400"/>
-            </a:lvl1pPr>
-            <a:lvl2pPr marL="457200" indent="0" algn="ctr">
-              <a:buNone/>
-              <a:defRPr sz="2000"/>
-            </a:lvl2pPr>
-            <a:lvl3pPr marL="914400" indent="0" algn="ctr">
-              <a:buNone/>
-              <a:defRPr sz="1800"/>
-            </a:lvl3pPr>
-            <a:lvl4pPr marL="1371600" indent="0" algn="ctr">
-              <a:buNone/>
-              <a:defRPr sz="1600"/>
-            </a:lvl4pPr>
-            <a:lvl5pPr marL="1828800" indent="0" algn="ctr">
-              <a:buNone/>
-              <a:defRPr sz="1600"/>
-            </a:lvl5pPr>
-            <a:lvl6pPr marL="2286000" indent="0" algn="ctr">
-              <a:buNone/>
-              <a:defRPr sz="1600"/>
-            </a:lvl6pPr>
-            <a:lvl7pPr marL="2743200" indent="0" algn="ctr">
-              <a:buNone/>
-              <a:defRPr sz="1600"/>
-            </a:lvl7pPr>
-            <a:lvl8pPr marL="3200400" indent="0" algn="ctr">
-              <a:buNone/>
-              <a:defRPr sz="1600"/>
-            </a:lvl8pPr>
-            <a:lvl9pPr marL="3657600" indent="0" algn="ctr">
-              <a:buNone/>
-              <a:defRPr sz="1600"/>
-            </a:lvl9pPr>
-          </a:lstStyle>
-          <a:p>
-            <a:r>
-              <a:rPr lang="zh-CN" altLang="en-US" smtClean="0"/>
-              <a:t>单击此处编辑母版副标题样式</a:t>
-            </a:r>
-            <a:endParaRPr lang="zh-CN" altLang="en-US"/>
-          </a:p>
-        </p:txBody>
-      </p:sp>
-      <p:sp>
-        <p:nvSpPr>
-          <p:cNvPr id="4" name="日期占位符 3"/>
-          <p:cNvSpPr>
-            <a:spLocks noGrp="1"/>
-          </p:cNvSpPr>
-          <p:nvPr>
-            <p:ph type="dt" sz="half" idx="10"/>
-          </p:nvPr>
-        </p:nvSpPr>
-        <p:spPr/>
-        <p:txBody>
-          <a:bodyPr/>
-          <a:lstStyle/>
-          <a:p>
-            <a:fld id="{D997B5FA-0921-464F-AAE1-844C04324D75}" type="datetime1">
-              <a:rPr lang="en-US" altLang="en-US" smtClean="0"/>
-            </a:fld>
-            <a:endParaRPr lang="zh-CN" altLang="en-US"/>
-          </a:p>
-        </p:txBody>
-      </p:sp>
-      <p:sp>
-        <p:nvSpPr>
-          <p:cNvPr id="5" name="页脚占位符 4"/>
-          <p:cNvSpPr>
-            <a:spLocks noGrp="1"/>
-          </p:cNvSpPr>
-          <p:nvPr>
-            <p:ph type="ftr" sz="quarter" idx="11"/>
-          </p:nvPr>
-        </p:nvSpPr>
-        <p:spPr/>
-        <p:txBody>
-          <a:bodyPr/>
-          <a:lstStyle/>
-          <a:p>
-            <a:r>
-              <a:rPr lang="zh-CN" altLang="en-US"/>
-              <a:t>CCATS Group(Brandeis)</a:t>
-            </a:r>
-            <a:endParaRPr lang="zh-CN" altLang="en-US"/>
-          </a:p>
-        </p:txBody>
-      </p:sp>
-      <p:sp>
-        <p:nvSpPr>
-          <p:cNvPr id="6" name="灯片编号占位符 5"/>
-          <p:cNvSpPr>
-            <a:spLocks noGrp="1"/>
-          </p:cNvSpPr>
-          <p:nvPr>
-            <p:ph type="sldNum" sz="quarter" idx="12"/>
-          </p:nvPr>
-        </p:nvSpPr>
-        <p:spPr/>
-        <p:txBody>
-          <a:bodyPr/>
-          <a:lstStyle/>
-          <a:p>
-            <a:fld id="{565CE74E-AB26-4998-AD42-012C4C1AD076}" type="slidenum">
-              <a:rPr lang="zh-CN" altLang="en-US" smtClean="0"/>
-            </a:fld>
-            <a:endParaRPr lang="zh-CN" altLang="en-US"/>
-          </a:p>
-        </p:txBody>
-      </p:sp>
-    </p:spTree>
-  </p:cSld>
-  <p:clrMapOvr>
-    <a:masterClrMapping/>
-  </p:clrMapOvr>
-  <p:hf sldNum="0" hdr="0"/>
-</p:sldLayout>
-</file>
-
-<file path=ppt/slideLayouts/slideLayout13.xml><?xml version="1.0" encoding="utf-8"?>
-<p:sldLayout xmlns:a="http://schemas.openxmlformats.org/drawingml/2006/main" xmlns:r="http://schemas.openxmlformats.org/officeDocument/2006/relationships" xmlns:p="http://schemas.openxmlformats.org/presentationml/2006/main" type="obj" preserve="1">
-  <p:cSld name="标题和内容">
-    <p:spTree>
-      <p:nvGrpSpPr>
-        <p:cNvPr id="1" name=""/>
-        <p:cNvGrpSpPr/>
-        <p:nvPr/>
-      </p:nvGrpSpPr>
-      <p:grpSpPr>
-        <a:xfrm>
-          <a:off x="0" y="0"/>
-          <a:ext cx="0" cy="0"/>
-          <a:chOff x="0" y="0"/>
-          <a:chExt cx="0" cy="0"/>
-        </a:xfrm>
-      </p:grpSpPr>
-      <p:sp>
-        <p:nvSpPr>
-          <p:cNvPr id="2" name="标题 1"/>
-          <p:cNvSpPr>
-            <a:spLocks noGrp="1"/>
-          </p:cNvSpPr>
-          <p:nvPr>
-            <p:ph type="title"/>
-          </p:nvPr>
-        </p:nvSpPr>
-        <p:spPr/>
-        <p:txBody>
-          <a:bodyPr/>
-          <a:lstStyle/>
-          <a:p>
-            <a:r>
-              <a:rPr lang="zh-CN" altLang="en-US" smtClean="0"/>
-              <a:t>单击此处编辑母版标题样式</a:t>
-            </a:r>
-            <a:endParaRPr lang="zh-CN" altLang="en-US"/>
-          </a:p>
-        </p:txBody>
-      </p:sp>
-      <p:sp>
-        <p:nvSpPr>
-          <p:cNvPr id="3" name="内容占位符 2"/>
-          <p:cNvSpPr>
-            <a:spLocks noGrp="1"/>
-          </p:cNvSpPr>
-          <p:nvPr>
-            <p:ph idx="1"/>
-          </p:nvPr>
-        </p:nvSpPr>
-        <p:spPr/>
-        <p:txBody>
-          <a:bodyPr/>
-          <a:lstStyle/>
-          <a:p>
-            <a:pPr lvl="0"/>
-            <a:r>
-              <a:rPr lang="zh-CN" altLang="en-US" smtClean="0"/>
-              <a:t>单击此处编辑母版文本样式</a:t>
-            </a:r>
-            <a:endParaRPr lang="zh-CN" altLang="en-US" smtClean="0"/>
-          </a:p>
-          <a:p>
-            <a:pPr lvl="1"/>
-            <a:r>
-              <a:rPr lang="zh-CN" altLang="en-US" smtClean="0"/>
-              <a:t>第二级</a:t>
-            </a:r>
-            <a:endParaRPr lang="zh-CN" altLang="en-US" smtClean="0"/>
-          </a:p>
-          <a:p>
-            <a:pPr lvl="2"/>
-            <a:r>
-              <a:rPr lang="zh-CN" altLang="en-US" smtClean="0"/>
-              <a:t>第三级</a:t>
-            </a:r>
-            <a:endParaRPr lang="zh-CN" altLang="en-US" smtClean="0"/>
-          </a:p>
-          <a:p>
-            <a:pPr lvl="3"/>
-            <a:r>
-              <a:rPr lang="zh-CN" altLang="en-US" smtClean="0"/>
-              <a:t>第四级</a:t>
-            </a:r>
-            <a:endParaRPr lang="zh-CN" altLang="en-US" smtClean="0"/>
-          </a:p>
-          <a:p>
-            <a:pPr lvl="4"/>
-            <a:r>
-              <a:rPr lang="zh-CN" altLang="en-US" smtClean="0"/>
-              <a:t>第五级</a:t>
-            </a:r>
-            <a:endParaRPr lang="zh-CN" altLang="en-US"/>
-          </a:p>
-        </p:txBody>
-      </p:sp>
-      <p:sp>
-        <p:nvSpPr>
-          <p:cNvPr id="4" name="日期占位符 3"/>
-          <p:cNvSpPr>
-            <a:spLocks noGrp="1"/>
-          </p:cNvSpPr>
-          <p:nvPr>
-            <p:ph type="dt" sz="half" idx="10"/>
-          </p:nvPr>
-        </p:nvSpPr>
-        <p:spPr/>
-        <p:txBody>
-          <a:bodyPr/>
-          <a:lstStyle/>
-          <a:p>
-            <a:fld id="{D997B5FA-0921-464F-AAE1-844C04324D75}" type="datetime1">
-              <a:rPr lang="en-US" altLang="en-US" smtClean="0"/>
-            </a:fld>
-            <a:endParaRPr lang="zh-CN" altLang="en-US"/>
-          </a:p>
-        </p:txBody>
-      </p:sp>
-      <p:sp>
-        <p:nvSpPr>
-          <p:cNvPr id="5" name="页脚占位符 4"/>
-          <p:cNvSpPr>
-            <a:spLocks noGrp="1"/>
-          </p:cNvSpPr>
-          <p:nvPr>
-            <p:ph type="ftr" sz="quarter" idx="11"/>
-          </p:nvPr>
-        </p:nvSpPr>
-        <p:spPr/>
-        <p:txBody>
-          <a:bodyPr/>
-          <a:lstStyle/>
-          <a:p>
-            <a:r>
-              <a:rPr lang="zh-CN" altLang="en-US"/>
-              <a:t>CCATS Group(Brandeis)</a:t>
-            </a:r>
-            <a:endParaRPr lang="zh-CN" altLang="en-US"/>
-          </a:p>
-        </p:txBody>
-      </p:sp>
-      <p:sp>
-        <p:nvSpPr>
-          <p:cNvPr id="6" name="灯片编号占位符 5"/>
-          <p:cNvSpPr>
-            <a:spLocks noGrp="1"/>
-          </p:cNvSpPr>
-          <p:nvPr>
-            <p:ph type="sldNum" sz="quarter" idx="12"/>
-          </p:nvPr>
-        </p:nvSpPr>
-        <p:spPr/>
-        <p:txBody>
-          <a:bodyPr/>
-          <a:lstStyle/>
-          <a:p>
-            <a:fld id="{565CE74E-AB26-4998-AD42-012C4C1AD076}" type="slidenum">
-              <a:rPr lang="zh-CN" altLang="en-US" smtClean="0"/>
-            </a:fld>
-            <a:endParaRPr lang="zh-CN" altLang="en-US"/>
-          </a:p>
-        </p:txBody>
-      </p:sp>
-    </p:spTree>
-  </p:cSld>
-  <p:clrMapOvr>
-    <a:masterClrMapping/>
-  </p:clrMapOvr>
-  <p:hf sldNum="0" hdr="0"/>
-</p:sldLayout>
-</file>
-
-<file path=ppt/slideLayouts/slideLayout14.xml><?xml version="1.0" encoding="utf-8"?>
-<p:sldLayout xmlns:a="http://schemas.openxmlformats.org/drawingml/2006/main" xmlns:r="http://schemas.openxmlformats.org/officeDocument/2006/relationships" xmlns:p="http://schemas.openxmlformats.org/presentationml/2006/main" type="secHead" preserve="1">
-  <p:cSld name="节标题">
-    <p:spTree>
-      <p:nvGrpSpPr>
-        <p:cNvPr id="1" name=""/>
-        <p:cNvGrpSpPr/>
-        <p:nvPr/>
-      </p:nvGrpSpPr>
-      <p:grpSpPr>
-        <a:xfrm>
-          <a:off x="0" y="0"/>
-          <a:ext cx="0" cy="0"/>
-          <a:chOff x="0" y="0"/>
-          <a:chExt cx="0" cy="0"/>
-        </a:xfrm>
-      </p:grpSpPr>
-      <p:sp>
-        <p:nvSpPr>
-          <p:cNvPr id="2" name="标题 1"/>
-          <p:cNvSpPr>
-            <a:spLocks noGrp="1"/>
-          </p:cNvSpPr>
-          <p:nvPr>
-            <p:ph type="title"/>
-          </p:nvPr>
-        </p:nvSpPr>
-        <p:spPr>
-          <a:xfrm>
-            <a:off x="831850" y="1709738"/>
-            <a:ext cx="10515600" cy="2852737"/>
-          </a:xfrm>
-        </p:spPr>
-        <p:txBody>
-          <a:bodyPr anchor="b"/>
-          <a:lstStyle>
-            <a:lvl1pPr>
-              <a:defRPr sz="6000"/>
-            </a:lvl1pPr>
-          </a:lstStyle>
-          <a:p>
-            <a:r>
-              <a:rPr lang="zh-CN" altLang="en-US" smtClean="0"/>
-              <a:t>单击此处编辑母版标题样式</a:t>
-            </a:r>
-            <a:endParaRPr lang="zh-CN" altLang="en-US"/>
-          </a:p>
-        </p:txBody>
-      </p:sp>
-      <p:sp>
-        <p:nvSpPr>
-          <p:cNvPr id="3" name="文本占位符 2"/>
-          <p:cNvSpPr>
-            <a:spLocks noGrp="1"/>
-          </p:cNvSpPr>
-          <p:nvPr>
-            <p:ph type="body" idx="1"/>
-          </p:nvPr>
-        </p:nvSpPr>
-        <p:spPr>
-          <a:xfrm>
-            <a:off x="831850" y="4589463"/>
-            <a:ext cx="10515600" cy="1500187"/>
-          </a:xfrm>
-        </p:spPr>
-        <p:txBody>
-          <a:bodyPr/>
-          <a:lstStyle>
-            <a:lvl1pPr marL="0" indent="0">
-              <a:buNone/>
-              <a:defRPr sz="2400">
-                <a:solidFill>
-                  <a:schemeClr val="tx1">
-                    <a:tint val="75000"/>
-                  </a:schemeClr>
-                </a:solidFill>
-              </a:defRPr>
-            </a:lvl1pPr>
-            <a:lvl2pPr marL="457200" indent="0">
-              <a:buNone/>
-              <a:defRPr sz="2000">
-                <a:solidFill>
-                  <a:schemeClr val="tx1">
-                    <a:tint val="75000"/>
-                  </a:schemeClr>
-                </a:solidFill>
-              </a:defRPr>
-            </a:lvl2pPr>
-            <a:lvl3pPr marL="914400" indent="0">
-              <a:buNone/>
-              <a:defRPr sz="1800">
-                <a:solidFill>
-                  <a:schemeClr val="tx1">
-                    <a:tint val="75000"/>
-                  </a:schemeClr>
-                </a:solidFill>
-              </a:defRPr>
-            </a:lvl3pPr>
-            <a:lvl4pPr marL="1371600" indent="0">
-              <a:buNone/>
-              <a:defRPr sz="1600">
-                <a:solidFill>
-                  <a:schemeClr val="tx1">
-                    <a:tint val="75000"/>
-                  </a:schemeClr>
-                </a:solidFill>
-              </a:defRPr>
-            </a:lvl4pPr>
-            <a:lvl5pPr marL="1828800" indent="0">
-              <a:buNone/>
-              <a:defRPr sz="1600">
-                <a:solidFill>
-                  <a:schemeClr val="tx1">
-                    <a:tint val="75000"/>
-                  </a:schemeClr>
-                </a:solidFill>
-              </a:defRPr>
-            </a:lvl5pPr>
-            <a:lvl6pPr marL="2286000" indent="0">
-              <a:buNone/>
-              <a:defRPr sz="1600">
-                <a:solidFill>
-                  <a:schemeClr val="tx1">
-                    <a:tint val="75000"/>
-                  </a:schemeClr>
-                </a:solidFill>
-              </a:defRPr>
-            </a:lvl6pPr>
-            <a:lvl7pPr marL="2743200" indent="0">
-              <a:buNone/>
-              <a:defRPr sz="1600">
-                <a:solidFill>
-                  <a:schemeClr val="tx1">
-                    <a:tint val="75000"/>
-                  </a:schemeClr>
-                </a:solidFill>
-              </a:defRPr>
-            </a:lvl7pPr>
-            <a:lvl8pPr marL="3200400" indent="0">
-              <a:buNone/>
-              <a:defRPr sz="1600">
-                <a:solidFill>
-                  <a:schemeClr val="tx1">
-                    <a:tint val="75000"/>
-                  </a:schemeClr>
-                </a:solidFill>
-              </a:defRPr>
-            </a:lvl8pPr>
-            <a:lvl9pPr marL="3657600" indent="0">
-              <a:buNone/>
-              <a:defRPr sz="1600">
-                <a:solidFill>
-                  <a:schemeClr val="tx1">
-                    <a:tint val="75000"/>
-                  </a:schemeClr>
-                </a:solidFill>
-              </a:defRPr>
-            </a:lvl9pPr>
-          </a:lstStyle>
-          <a:p>
-            <a:pPr lvl="0"/>
-            <a:r>
-              <a:rPr lang="zh-CN" altLang="en-US" smtClean="0"/>
-              <a:t>单击此处编辑母版文本样式</a:t>
-            </a:r>
-            <a:endParaRPr lang="zh-CN" altLang="en-US" smtClean="0"/>
-          </a:p>
-        </p:txBody>
-      </p:sp>
-      <p:sp>
-        <p:nvSpPr>
-          <p:cNvPr id="4" name="日期占位符 3"/>
-          <p:cNvSpPr>
-            <a:spLocks noGrp="1"/>
-          </p:cNvSpPr>
-          <p:nvPr>
-            <p:ph type="dt" sz="half" idx="10"/>
-          </p:nvPr>
-        </p:nvSpPr>
-        <p:spPr/>
-        <p:txBody>
-          <a:bodyPr/>
-          <a:lstStyle/>
-          <a:p>
-            <a:fld id="{D997B5FA-0921-464F-AAE1-844C04324D75}" type="datetime1">
-              <a:rPr lang="en-US" altLang="en-US" smtClean="0"/>
-            </a:fld>
-            <a:endParaRPr lang="zh-CN" altLang="en-US"/>
-          </a:p>
-        </p:txBody>
-      </p:sp>
-      <p:sp>
-        <p:nvSpPr>
-          <p:cNvPr id="5" name="页脚占位符 4"/>
-          <p:cNvSpPr>
-            <a:spLocks noGrp="1"/>
-          </p:cNvSpPr>
-          <p:nvPr>
-            <p:ph type="ftr" sz="quarter" idx="11"/>
-          </p:nvPr>
-        </p:nvSpPr>
-        <p:spPr/>
-        <p:txBody>
-          <a:bodyPr/>
-          <a:lstStyle/>
-          <a:p>
-            <a:r>
-              <a:rPr lang="zh-CN" altLang="en-US"/>
-              <a:t>CCATS Group(Brandeis)</a:t>
-            </a:r>
-            <a:endParaRPr lang="zh-CN" altLang="en-US"/>
-          </a:p>
-        </p:txBody>
-      </p:sp>
-      <p:sp>
-        <p:nvSpPr>
-          <p:cNvPr id="6" name="灯片编号占位符 5"/>
-          <p:cNvSpPr>
-            <a:spLocks noGrp="1"/>
-          </p:cNvSpPr>
-          <p:nvPr>
-            <p:ph type="sldNum" sz="quarter" idx="12"/>
-          </p:nvPr>
-        </p:nvSpPr>
-        <p:spPr/>
-        <p:txBody>
-          <a:bodyPr/>
-          <a:lstStyle/>
-          <a:p>
-            <a:fld id="{565CE74E-AB26-4998-AD42-012C4C1AD076}" type="slidenum">
-              <a:rPr lang="zh-CN" altLang="en-US" smtClean="0"/>
-            </a:fld>
-            <a:endParaRPr lang="zh-CN" altLang="en-US"/>
-          </a:p>
-        </p:txBody>
-      </p:sp>
-    </p:spTree>
-  </p:cSld>
-  <p:clrMapOvr>
-    <a:masterClrMapping/>
-  </p:clrMapOvr>
-  <p:hf sldNum="0" hdr="0"/>
-</p:sldLayout>
-</file>
-
-<file path=ppt/slideLayouts/slideLayout15.xml><?xml version="1.0" encoding="utf-8"?>
-<p:sldLayout xmlns:a="http://schemas.openxmlformats.org/drawingml/2006/main" xmlns:r="http://schemas.openxmlformats.org/officeDocument/2006/relationships" xmlns:p="http://schemas.openxmlformats.org/presentationml/2006/main" type="twoObj" preserve="1">
-  <p:cSld name="两栏内容">
-    <p:spTree>
-      <p:nvGrpSpPr>
-        <p:cNvPr id="1" name=""/>
-        <p:cNvGrpSpPr/>
-        <p:nvPr/>
-      </p:nvGrpSpPr>
-      <p:grpSpPr>
-        <a:xfrm>
-          <a:off x="0" y="0"/>
-          <a:ext cx="0" cy="0"/>
-          <a:chOff x="0" y="0"/>
-          <a:chExt cx="0" cy="0"/>
-        </a:xfrm>
-      </p:grpSpPr>
-      <p:sp>
-        <p:nvSpPr>
-          <p:cNvPr id="2" name="标题 1"/>
-          <p:cNvSpPr>
-            <a:spLocks noGrp="1"/>
-          </p:cNvSpPr>
-          <p:nvPr>
-            <p:ph type="title"/>
-          </p:nvPr>
-        </p:nvSpPr>
-        <p:spPr/>
-        <p:txBody>
-          <a:bodyPr/>
-          <a:lstStyle/>
-          <a:p>
-            <a:r>
-              <a:rPr lang="zh-CN" altLang="en-US" smtClean="0"/>
-              <a:t>单击此处编辑母版标题样式</a:t>
-            </a:r>
-            <a:endParaRPr lang="zh-CN" altLang="en-US"/>
-          </a:p>
-        </p:txBody>
-      </p:sp>
-      <p:sp>
-        <p:nvSpPr>
-          <p:cNvPr id="3" name="内容占位符 2"/>
-          <p:cNvSpPr>
-            <a:spLocks noGrp="1"/>
-          </p:cNvSpPr>
-          <p:nvPr>
-            <p:ph sz="half" idx="1"/>
-          </p:nvPr>
-        </p:nvSpPr>
-        <p:spPr>
-          <a:xfrm>
-            <a:off x="838200" y="1825625"/>
-            <a:ext cx="5181600" cy="4351338"/>
-          </a:xfrm>
-        </p:spPr>
-        <p:txBody>
-          <a:bodyPr/>
-          <a:lstStyle/>
-          <a:p>
-            <a:pPr lvl="0"/>
-            <a:r>
-              <a:rPr lang="zh-CN" altLang="en-US" smtClean="0"/>
-              <a:t>单击此处编辑母版文本样式</a:t>
-            </a:r>
-            <a:endParaRPr lang="zh-CN" altLang="en-US" smtClean="0"/>
-          </a:p>
-          <a:p>
-            <a:pPr lvl="1"/>
-            <a:r>
-              <a:rPr lang="zh-CN" altLang="en-US" smtClean="0"/>
-              <a:t>第二级</a:t>
-            </a:r>
-            <a:endParaRPr lang="zh-CN" altLang="en-US" smtClean="0"/>
-          </a:p>
-          <a:p>
-            <a:pPr lvl="2"/>
-            <a:r>
-              <a:rPr lang="zh-CN" altLang="en-US" smtClean="0"/>
-              <a:t>第三级</a:t>
-            </a:r>
-            <a:endParaRPr lang="zh-CN" altLang="en-US" smtClean="0"/>
-          </a:p>
-          <a:p>
-            <a:pPr lvl="3"/>
-            <a:r>
-              <a:rPr lang="zh-CN" altLang="en-US" smtClean="0"/>
-              <a:t>第四级</a:t>
-            </a:r>
-            <a:endParaRPr lang="zh-CN" altLang="en-US" smtClean="0"/>
-          </a:p>
-          <a:p>
-            <a:pPr lvl="4"/>
-            <a:r>
-              <a:rPr lang="zh-CN" altLang="en-US" smtClean="0"/>
-              <a:t>第五级</a:t>
-            </a:r>
-            <a:endParaRPr lang="zh-CN" altLang="en-US"/>
-          </a:p>
-        </p:txBody>
-      </p:sp>
-      <p:sp>
-        <p:nvSpPr>
-          <p:cNvPr id="4" name="内容占位符 3"/>
-          <p:cNvSpPr>
-            <a:spLocks noGrp="1"/>
-          </p:cNvSpPr>
-          <p:nvPr>
-            <p:ph sz="half" idx="2"/>
-          </p:nvPr>
-        </p:nvSpPr>
-        <p:spPr>
-          <a:xfrm>
-            <a:off x="6172200" y="1825625"/>
-            <a:ext cx="5181600" cy="4351338"/>
-          </a:xfrm>
-        </p:spPr>
-        <p:txBody>
-          <a:bodyPr/>
-          <a:lstStyle/>
-          <a:p>
-            <a:pPr lvl="0"/>
-            <a:r>
-              <a:rPr lang="zh-CN" altLang="en-US" smtClean="0"/>
-              <a:t>单击此处编辑母版文本样式</a:t>
-            </a:r>
-            <a:endParaRPr lang="zh-CN" altLang="en-US" smtClean="0"/>
-          </a:p>
-          <a:p>
-            <a:pPr lvl="1"/>
-            <a:r>
-              <a:rPr lang="zh-CN" altLang="en-US" smtClean="0"/>
-              <a:t>第二级</a:t>
-            </a:r>
-            <a:endParaRPr lang="zh-CN" altLang="en-US" smtClean="0"/>
-          </a:p>
-          <a:p>
-            <a:pPr lvl="2"/>
-            <a:r>
-              <a:rPr lang="zh-CN" altLang="en-US" smtClean="0"/>
-              <a:t>第三级</a:t>
-            </a:r>
-            <a:endParaRPr lang="zh-CN" altLang="en-US" smtClean="0"/>
-          </a:p>
-          <a:p>
-            <a:pPr lvl="3"/>
-            <a:r>
-              <a:rPr lang="zh-CN" altLang="en-US" smtClean="0"/>
-              <a:t>第四级</a:t>
-            </a:r>
-            <a:endParaRPr lang="zh-CN" altLang="en-US" smtClean="0"/>
-          </a:p>
-          <a:p>
-            <a:pPr lvl="4"/>
-            <a:r>
-              <a:rPr lang="zh-CN" altLang="en-US" smtClean="0"/>
-              <a:t>第五级</a:t>
-            </a:r>
-            <a:endParaRPr lang="zh-CN" altLang="en-US"/>
-          </a:p>
-        </p:txBody>
-      </p:sp>
-      <p:sp>
-        <p:nvSpPr>
-          <p:cNvPr id="5" name="日期占位符 4"/>
-          <p:cNvSpPr>
-            <a:spLocks noGrp="1"/>
-          </p:cNvSpPr>
-          <p:nvPr>
-            <p:ph type="dt" sz="half" idx="10"/>
-          </p:nvPr>
-        </p:nvSpPr>
-        <p:spPr/>
-        <p:txBody>
-          <a:bodyPr/>
-          <a:lstStyle/>
-          <a:p>
-            <a:fld id="{D997B5FA-0921-464F-AAE1-844C04324D75}" type="datetime1">
-              <a:rPr lang="en-US" altLang="en-US" smtClean="0"/>
-            </a:fld>
-            <a:endParaRPr lang="zh-CN" altLang="en-US"/>
-          </a:p>
-        </p:txBody>
-      </p:sp>
-      <p:sp>
-        <p:nvSpPr>
-          <p:cNvPr id="6" name="页脚占位符 5"/>
-          <p:cNvSpPr>
-            <a:spLocks noGrp="1"/>
-          </p:cNvSpPr>
-          <p:nvPr>
-            <p:ph type="ftr" sz="quarter" idx="11"/>
-          </p:nvPr>
-        </p:nvSpPr>
-        <p:spPr/>
-        <p:txBody>
-          <a:bodyPr/>
-          <a:lstStyle/>
-          <a:p>
-            <a:r>
-              <a:rPr lang="zh-CN" altLang="en-US"/>
-              <a:t>CCATS Group(Brandeis)</a:t>
-            </a:r>
-            <a:endParaRPr lang="zh-CN" altLang="en-US"/>
-          </a:p>
-        </p:txBody>
-      </p:sp>
-      <p:sp>
-        <p:nvSpPr>
-          <p:cNvPr id="7" name="灯片编号占位符 6"/>
-          <p:cNvSpPr>
-            <a:spLocks noGrp="1"/>
-          </p:cNvSpPr>
-          <p:nvPr>
-            <p:ph type="sldNum" sz="quarter" idx="12"/>
-          </p:nvPr>
-        </p:nvSpPr>
-        <p:spPr/>
-        <p:txBody>
-          <a:bodyPr/>
-          <a:lstStyle/>
-          <a:p>
-            <a:fld id="{565CE74E-AB26-4998-AD42-012C4C1AD076}" type="slidenum">
-              <a:rPr lang="zh-CN" altLang="en-US" smtClean="0"/>
-            </a:fld>
-            <a:endParaRPr lang="zh-CN" altLang="en-US"/>
-          </a:p>
-        </p:txBody>
-      </p:sp>
-    </p:spTree>
-  </p:cSld>
-  <p:clrMapOvr>
-    <a:masterClrMapping/>
-  </p:clrMapOvr>
-  <p:hf sldNum="0" hdr="0"/>
-</p:sldLayout>
-</file>
-
-<file path=ppt/slideLayouts/slideLayout16.xml><?xml version="1.0" encoding="utf-8"?>
-<p:sldLayout xmlns:a="http://schemas.openxmlformats.org/drawingml/2006/main" xmlns:r="http://schemas.openxmlformats.org/officeDocument/2006/relationships" xmlns:p="http://schemas.openxmlformats.org/presentationml/2006/main" type="twoTxTwoObj" preserve="1">
-  <p:cSld name="比较">
-    <p:spTree>
-      <p:nvGrpSpPr>
-        <p:cNvPr id="1" name=""/>
-        <p:cNvGrpSpPr/>
-        <p:nvPr/>
-      </p:nvGrpSpPr>
-      <p:grpSpPr>
-        <a:xfrm>
-          <a:off x="0" y="0"/>
-          <a:ext cx="0" cy="0"/>
-          <a:chOff x="0" y="0"/>
-          <a:chExt cx="0" cy="0"/>
-        </a:xfrm>
-      </p:grpSpPr>
-      <p:sp>
-        <p:nvSpPr>
-          <p:cNvPr id="2" name="标题 1"/>
-          <p:cNvSpPr>
-            <a:spLocks noGrp="1"/>
-          </p:cNvSpPr>
-          <p:nvPr>
-            <p:ph type="title"/>
-          </p:nvPr>
-        </p:nvSpPr>
-        <p:spPr>
-          <a:xfrm>
-            <a:off x="839788" y="365125"/>
-            <a:ext cx="10515600" cy="1325563"/>
-          </a:xfrm>
-        </p:spPr>
-        <p:txBody>
-          <a:bodyPr/>
-          <a:lstStyle/>
-          <a:p>
-            <a:r>
-              <a:rPr lang="zh-CN" altLang="en-US" smtClean="0"/>
-              <a:t>单击此处编辑母版标题样式</a:t>
-            </a:r>
-            <a:endParaRPr lang="zh-CN" altLang="en-US"/>
-          </a:p>
-        </p:txBody>
-      </p:sp>
-      <p:sp>
-        <p:nvSpPr>
-          <p:cNvPr id="3" name="文本占位符 2"/>
-          <p:cNvSpPr>
-            <a:spLocks noGrp="1"/>
-          </p:cNvSpPr>
-          <p:nvPr>
-            <p:ph type="body" idx="1"/>
-          </p:nvPr>
-        </p:nvSpPr>
-        <p:spPr>
-          <a:xfrm>
-            <a:off x="839788" y="1681163"/>
-            <a:ext cx="5157787" cy="823912"/>
-          </a:xfrm>
-        </p:spPr>
-        <p:txBody>
-          <a:bodyPr anchor="b"/>
-          <a:lstStyle>
-            <a:lvl1pPr marL="0" indent="0">
-              <a:buNone/>
-              <a:defRPr sz="2400" b="1"/>
-            </a:lvl1pPr>
-            <a:lvl2pPr marL="457200" indent="0">
-              <a:buNone/>
-              <a:defRPr sz="2000" b="1"/>
-            </a:lvl2pPr>
-            <a:lvl3pPr marL="914400" indent="0">
-              <a:buNone/>
-              <a:defRPr sz="1800" b="1"/>
-            </a:lvl3pPr>
-            <a:lvl4pPr marL="1371600" indent="0">
-              <a:buNone/>
-              <a:defRPr sz="1600" b="1"/>
-            </a:lvl4pPr>
-            <a:lvl5pPr marL="1828800" indent="0">
-              <a:buNone/>
-              <a:defRPr sz="1600" b="1"/>
-            </a:lvl5pPr>
-            <a:lvl6pPr marL="2286000" indent="0">
-              <a:buNone/>
-              <a:defRPr sz="1600" b="1"/>
-            </a:lvl6pPr>
-            <a:lvl7pPr marL="2743200" indent="0">
-              <a:buNone/>
-              <a:defRPr sz="1600" b="1"/>
-            </a:lvl7pPr>
-            <a:lvl8pPr marL="3200400" indent="0">
-              <a:buNone/>
-              <a:defRPr sz="1600" b="1"/>
-            </a:lvl8pPr>
-            <a:lvl9pPr marL="3657600" indent="0">
-              <a:buNone/>
-              <a:defRPr sz="1600" b="1"/>
-            </a:lvl9pPr>
-          </a:lstStyle>
-          <a:p>
-            <a:pPr lvl="0"/>
-            <a:r>
-              <a:rPr lang="zh-CN" altLang="en-US" smtClean="0"/>
-              <a:t>单击此处编辑母版文本样式</a:t>
-            </a:r>
-            <a:endParaRPr lang="zh-CN" altLang="en-US" smtClean="0"/>
-          </a:p>
-        </p:txBody>
-      </p:sp>
-      <p:sp>
-        <p:nvSpPr>
-          <p:cNvPr id="4" name="内容占位符 3"/>
-          <p:cNvSpPr>
-            <a:spLocks noGrp="1"/>
-          </p:cNvSpPr>
-          <p:nvPr>
-            <p:ph sz="half" idx="2"/>
-          </p:nvPr>
-        </p:nvSpPr>
-        <p:spPr>
-          <a:xfrm>
-            <a:off x="839788" y="2505075"/>
-            <a:ext cx="5157787" cy="3684588"/>
-          </a:xfrm>
-        </p:spPr>
-        <p:txBody>
-          <a:bodyPr/>
-          <a:lstStyle/>
-          <a:p>
-            <a:pPr lvl="0"/>
-            <a:r>
-              <a:rPr lang="zh-CN" altLang="en-US" smtClean="0"/>
-              <a:t>单击此处编辑母版文本样式</a:t>
-            </a:r>
-            <a:endParaRPr lang="zh-CN" altLang="en-US" smtClean="0"/>
-          </a:p>
-          <a:p>
-            <a:pPr lvl="1"/>
-            <a:r>
-              <a:rPr lang="zh-CN" altLang="en-US" smtClean="0"/>
-              <a:t>第二级</a:t>
-            </a:r>
-            <a:endParaRPr lang="zh-CN" altLang="en-US" smtClean="0"/>
-          </a:p>
-          <a:p>
-            <a:pPr lvl="2"/>
-            <a:r>
-              <a:rPr lang="zh-CN" altLang="en-US" smtClean="0"/>
-              <a:t>第三级</a:t>
-            </a:r>
-            <a:endParaRPr lang="zh-CN" altLang="en-US" smtClean="0"/>
-          </a:p>
-          <a:p>
-            <a:pPr lvl="3"/>
-            <a:r>
-              <a:rPr lang="zh-CN" altLang="en-US" smtClean="0"/>
-              <a:t>第四级</a:t>
-            </a:r>
-            <a:endParaRPr lang="zh-CN" altLang="en-US" smtClean="0"/>
-          </a:p>
-          <a:p>
-            <a:pPr lvl="4"/>
-            <a:r>
-              <a:rPr lang="zh-CN" altLang="en-US" smtClean="0"/>
-              <a:t>第五级</a:t>
-            </a:r>
-            <a:endParaRPr lang="zh-CN" altLang="en-US"/>
-          </a:p>
-        </p:txBody>
-      </p:sp>
-      <p:sp>
-        <p:nvSpPr>
-          <p:cNvPr id="5" name="文本占位符 4"/>
-          <p:cNvSpPr>
-            <a:spLocks noGrp="1"/>
-          </p:cNvSpPr>
-          <p:nvPr>
-            <p:ph type="body" sz="quarter" idx="3"/>
-          </p:nvPr>
-        </p:nvSpPr>
-        <p:spPr>
-          <a:xfrm>
-            <a:off x="6172200" y="1681163"/>
-            <a:ext cx="5183188" cy="823912"/>
-          </a:xfrm>
-        </p:spPr>
-        <p:txBody>
-          <a:bodyPr anchor="b"/>
-          <a:lstStyle>
-            <a:lvl1pPr marL="0" indent="0">
-              <a:buNone/>
-              <a:defRPr sz="2400" b="1"/>
-            </a:lvl1pPr>
-            <a:lvl2pPr marL="457200" indent="0">
-              <a:buNone/>
-              <a:defRPr sz="2000" b="1"/>
-            </a:lvl2pPr>
-            <a:lvl3pPr marL="914400" indent="0">
-              <a:buNone/>
-              <a:defRPr sz="1800" b="1"/>
-            </a:lvl3pPr>
-            <a:lvl4pPr marL="1371600" indent="0">
-              <a:buNone/>
-              <a:defRPr sz="1600" b="1"/>
-            </a:lvl4pPr>
-            <a:lvl5pPr marL="1828800" indent="0">
-              <a:buNone/>
-              <a:defRPr sz="1600" b="1"/>
-            </a:lvl5pPr>
-            <a:lvl6pPr marL="2286000" indent="0">
-              <a:buNone/>
-              <a:defRPr sz="1600" b="1"/>
-            </a:lvl6pPr>
-            <a:lvl7pPr marL="2743200" indent="0">
-              <a:buNone/>
-              <a:defRPr sz="1600" b="1"/>
-            </a:lvl7pPr>
-            <a:lvl8pPr marL="3200400" indent="0">
-              <a:buNone/>
-              <a:defRPr sz="1600" b="1"/>
-            </a:lvl8pPr>
-            <a:lvl9pPr marL="3657600" indent="0">
-              <a:buNone/>
-              <a:defRPr sz="1600" b="1"/>
-            </a:lvl9pPr>
-          </a:lstStyle>
-          <a:p>
-            <a:pPr lvl="0"/>
-            <a:r>
-              <a:rPr lang="zh-CN" altLang="en-US" smtClean="0"/>
-              <a:t>单击此处编辑母版文本样式</a:t>
-            </a:r>
-            <a:endParaRPr lang="zh-CN" altLang="en-US" smtClean="0"/>
-          </a:p>
-        </p:txBody>
-      </p:sp>
-      <p:sp>
-        <p:nvSpPr>
-          <p:cNvPr id="6" name="内容占位符 5"/>
-          <p:cNvSpPr>
-            <a:spLocks noGrp="1"/>
-          </p:cNvSpPr>
-          <p:nvPr>
-            <p:ph sz="quarter" idx="4"/>
-          </p:nvPr>
-        </p:nvSpPr>
-        <p:spPr>
-          <a:xfrm>
-            <a:off x="6172200" y="2505075"/>
-            <a:ext cx="5183188" cy="3684588"/>
-          </a:xfrm>
-        </p:spPr>
-        <p:txBody>
-          <a:bodyPr/>
-          <a:lstStyle/>
-          <a:p>
-            <a:pPr lvl="0"/>
-            <a:r>
-              <a:rPr lang="zh-CN" altLang="en-US" smtClean="0"/>
-              <a:t>单击此处编辑母版文本样式</a:t>
-            </a:r>
-            <a:endParaRPr lang="zh-CN" altLang="en-US" smtClean="0"/>
-          </a:p>
-          <a:p>
-            <a:pPr lvl="1"/>
-            <a:r>
-              <a:rPr lang="zh-CN" altLang="en-US" smtClean="0"/>
-              <a:t>第二级</a:t>
-            </a:r>
-            <a:endParaRPr lang="zh-CN" altLang="en-US" smtClean="0"/>
-          </a:p>
-          <a:p>
-            <a:pPr lvl="2"/>
-            <a:r>
-              <a:rPr lang="zh-CN" altLang="en-US" smtClean="0"/>
-              <a:t>第三级</a:t>
-            </a:r>
-            <a:endParaRPr lang="zh-CN" altLang="en-US" smtClean="0"/>
-          </a:p>
-          <a:p>
-            <a:pPr lvl="3"/>
-            <a:r>
-              <a:rPr lang="zh-CN" altLang="en-US" smtClean="0"/>
-              <a:t>第四级</a:t>
-            </a:r>
-            <a:endParaRPr lang="zh-CN" altLang="en-US" smtClean="0"/>
-          </a:p>
-          <a:p>
-            <a:pPr lvl="4"/>
-            <a:r>
-              <a:rPr lang="zh-CN" altLang="en-US" smtClean="0"/>
-              <a:t>第五级</a:t>
-            </a:r>
-            <a:endParaRPr lang="zh-CN" altLang="en-US"/>
-          </a:p>
-        </p:txBody>
-      </p:sp>
-      <p:sp>
-        <p:nvSpPr>
-          <p:cNvPr id="7" name="日期占位符 6"/>
-          <p:cNvSpPr>
-            <a:spLocks noGrp="1"/>
-          </p:cNvSpPr>
-          <p:nvPr>
-            <p:ph type="dt" sz="half" idx="10"/>
-          </p:nvPr>
-        </p:nvSpPr>
-        <p:spPr/>
-        <p:txBody>
-          <a:bodyPr/>
-          <a:lstStyle/>
-          <a:p>
-            <a:fld id="{D997B5FA-0921-464F-AAE1-844C04324D75}" type="datetime1">
-              <a:rPr lang="en-US" altLang="en-US" smtClean="0"/>
-            </a:fld>
-            <a:endParaRPr lang="zh-CN" altLang="en-US"/>
-          </a:p>
-        </p:txBody>
-      </p:sp>
-      <p:sp>
-        <p:nvSpPr>
-          <p:cNvPr id="8" name="页脚占位符 7"/>
-          <p:cNvSpPr>
-            <a:spLocks noGrp="1"/>
-          </p:cNvSpPr>
-          <p:nvPr>
-            <p:ph type="ftr" sz="quarter" idx="11"/>
-          </p:nvPr>
-        </p:nvSpPr>
-        <p:spPr/>
-        <p:txBody>
-          <a:bodyPr/>
-          <a:lstStyle/>
-          <a:p>
-            <a:r>
-              <a:rPr lang="zh-CN" altLang="en-US"/>
-              <a:t>CCATS Group(Brandeis)</a:t>
-            </a:r>
-            <a:endParaRPr lang="zh-CN" altLang="en-US"/>
-          </a:p>
-        </p:txBody>
-      </p:sp>
-      <p:sp>
-        <p:nvSpPr>
-          <p:cNvPr id="9" name="灯片编号占位符 8"/>
-          <p:cNvSpPr>
-            <a:spLocks noGrp="1"/>
-          </p:cNvSpPr>
-          <p:nvPr>
-            <p:ph type="sldNum" sz="quarter" idx="12"/>
-          </p:nvPr>
-        </p:nvSpPr>
-        <p:spPr/>
-        <p:txBody>
-          <a:bodyPr/>
-          <a:lstStyle/>
-          <a:p>
-            <a:fld id="{565CE74E-AB26-4998-AD42-012C4C1AD076}" type="slidenum">
-              <a:rPr lang="zh-CN" altLang="en-US" smtClean="0"/>
-            </a:fld>
-            <a:endParaRPr lang="zh-CN" altLang="en-US"/>
-          </a:p>
-        </p:txBody>
-      </p:sp>
-    </p:spTree>
-  </p:cSld>
-  <p:clrMapOvr>
-    <a:masterClrMapping/>
-  </p:clrMapOvr>
-  <p:hf sldNum="0" hdr="0"/>
-</p:sldLayout>
-</file>
-
-<file path=ppt/slideLayouts/slideLayout17.xml><?xml version="1.0" encoding="utf-8"?>
-<p:sldLayout xmlns:a="http://schemas.openxmlformats.org/drawingml/2006/main" xmlns:r="http://schemas.openxmlformats.org/officeDocument/2006/relationships" xmlns:p="http://schemas.openxmlformats.org/presentationml/2006/main" type="titleOnly" preserve="1">
-  <p:cSld name="仅标题">
-    <p:spTree>
-      <p:nvGrpSpPr>
-        <p:cNvPr id="1" name=""/>
-        <p:cNvGrpSpPr/>
-        <p:nvPr/>
-      </p:nvGrpSpPr>
-      <p:grpSpPr>
-        <a:xfrm>
-          <a:off x="0" y="0"/>
-          <a:ext cx="0" cy="0"/>
-          <a:chOff x="0" y="0"/>
-          <a:chExt cx="0" cy="0"/>
-        </a:xfrm>
-      </p:grpSpPr>
-      <p:sp>
-        <p:nvSpPr>
-          <p:cNvPr id="2" name="标题 1"/>
-          <p:cNvSpPr>
-            <a:spLocks noGrp="1"/>
-          </p:cNvSpPr>
-          <p:nvPr>
-            <p:ph type="title"/>
-          </p:nvPr>
-        </p:nvSpPr>
-        <p:spPr/>
-        <p:txBody>
-          <a:bodyPr/>
-          <a:lstStyle/>
-          <a:p>
-            <a:r>
-              <a:rPr lang="zh-CN" altLang="en-US" smtClean="0"/>
-              <a:t>单击此处编辑母版标题样式</a:t>
-            </a:r>
-            <a:endParaRPr lang="zh-CN" altLang="en-US"/>
-          </a:p>
-        </p:txBody>
-      </p:sp>
-      <p:sp>
-        <p:nvSpPr>
-          <p:cNvPr id="3" name="日期占位符 2"/>
-          <p:cNvSpPr>
-            <a:spLocks noGrp="1"/>
-          </p:cNvSpPr>
-          <p:nvPr>
-            <p:ph type="dt" sz="half" idx="10"/>
-          </p:nvPr>
-        </p:nvSpPr>
-        <p:spPr/>
-        <p:txBody>
-          <a:bodyPr/>
-          <a:lstStyle/>
-          <a:p>
-            <a:fld id="{D997B5FA-0921-464F-AAE1-844C04324D75}" type="datetime1">
-              <a:rPr lang="en-US" altLang="en-US" smtClean="0"/>
-            </a:fld>
-            <a:endParaRPr lang="zh-CN" altLang="en-US"/>
-          </a:p>
-        </p:txBody>
-      </p:sp>
-      <p:sp>
-        <p:nvSpPr>
-          <p:cNvPr id="4" name="页脚占位符 3"/>
-          <p:cNvSpPr>
-            <a:spLocks noGrp="1"/>
-          </p:cNvSpPr>
-          <p:nvPr>
-            <p:ph type="ftr" sz="quarter" idx="11"/>
-          </p:nvPr>
-        </p:nvSpPr>
-        <p:spPr/>
-        <p:txBody>
-          <a:bodyPr/>
-          <a:lstStyle/>
-          <a:p>
-            <a:r>
-              <a:rPr lang="zh-CN" altLang="en-US"/>
-              <a:t>CCATS Group(Brandeis)</a:t>
-            </a:r>
-            <a:endParaRPr lang="zh-CN" altLang="en-US"/>
-          </a:p>
-        </p:txBody>
-      </p:sp>
-      <p:sp>
-        <p:nvSpPr>
-          <p:cNvPr id="5" name="灯片编号占位符 4"/>
-          <p:cNvSpPr>
-            <a:spLocks noGrp="1"/>
-          </p:cNvSpPr>
-          <p:nvPr>
-            <p:ph type="sldNum" sz="quarter" idx="12"/>
-          </p:nvPr>
-        </p:nvSpPr>
-        <p:spPr/>
-        <p:txBody>
-          <a:bodyPr/>
-          <a:lstStyle/>
-          <a:p>
-            <a:fld id="{565CE74E-AB26-4998-AD42-012C4C1AD076}" type="slidenum">
-              <a:rPr lang="zh-CN" altLang="en-US" smtClean="0"/>
-            </a:fld>
-            <a:endParaRPr lang="zh-CN" altLang="en-US"/>
-          </a:p>
-        </p:txBody>
-      </p:sp>
-    </p:spTree>
-  </p:cSld>
-  <p:clrMapOvr>
-    <a:masterClrMapping/>
-  </p:clrMapOvr>
-  <p:hf sldNum="0" hdr="0"/>
-</p:sldLayout>
-</file>
-
-<file path=ppt/slideLayouts/slideLayout18.xml><?xml version="1.0" encoding="utf-8"?>
-<p:sldLayout xmlns:a="http://schemas.openxmlformats.org/drawingml/2006/main" xmlns:r="http://schemas.openxmlformats.org/officeDocument/2006/relationships" xmlns:p="http://schemas.openxmlformats.org/presentationml/2006/main" type="blank" preserve="1">
-  <p:cSld name="空白">
-    <p:spTree>
-      <p:nvGrpSpPr>
-        <p:cNvPr id="1" name=""/>
-        <p:cNvGrpSpPr/>
-        <p:nvPr/>
-      </p:nvGrpSpPr>
-      <p:grpSpPr>
-        <a:xfrm>
-          <a:off x="0" y="0"/>
-          <a:ext cx="0" cy="0"/>
-          <a:chOff x="0" y="0"/>
-          <a:chExt cx="0" cy="0"/>
-        </a:xfrm>
-      </p:grpSpPr>
-      <p:sp>
-        <p:nvSpPr>
-          <p:cNvPr id="2" name="日期占位符 1"/>
-          <p:cNvSpPr>
-            <a:spLocks noGrp="1"/>
-          </p:cNvSpPr>
-          <p:nvPr>
-            <p:ph type="dt" sz="half" idx="10"/>
-          </p:nvPr>
-        </p:nvSpPr>
-        <p:spPr/>
-        <p:txBody>
-          <a:bodyPr/>
-          <a:lstStyle/>
-          <a:p>
-            <a:fld id="{D997B5FA-0921-464F-AAE1-844C04324D75}" type="datetime1">
-              <a:rPr lang="en-US" altLang="en-US" smtClean="0"/>
-            </a:fld>
-            <a:endParaRPr lang="zh-CN" altLang="en-US"/>
-          </a:p>
-        </p:txBody>
-      </p:sp>
-      <p:sp>
-        <p:nvSpPr>
-          <p:cNvPr id="3" name="页脚占位符 2"/>
-          <p:cNvSpPr>
-            <a:spLocks noGrp="1"/>
-          </p:cNvSpPr>
-          <p:nvPr>
-            <p:ph type="ftr" sz="quarter" idx="11"/>
-          </p:nvPr>
-        </p:nvSpPr>
-        <p:spPr/>
-        <p:txBody>
-          <a:bodyPr/>
-          <a:lstStyle/>
-          <a:p>
-            <a:r>
-              <a:rPr lang="zh-CN" altLang="en-US"/>
-              <a:t>CCATS Group(Brandeis)</a:t>
-            </a:r>
-            <a:endParaRPr lang="zh-CN" altLang="en-US"/>
-          </a:p>
-        </p:txBody>
-      </p:sp>
-      <p:sp>
-        <p:nvSpPr>
-          <p:cNvPr id="4" name="灯片编号占位符 3"/>
-          <p:cNvSpPr>
-            <a:spLocks noGrp="1"/>
-          </p:cNvSpPr>
-          <p:nvPr>
-            <p:ph type="sldNum" sz="quarter" idx="12"/>
-          </p:nvPr>
-        </p:nvSpPr>
-        <p:spPr/>
-        <p:txBody>
-          <a:bodyPr/>
-          <a:lstStyle/>
-          <a:p>
-            <a:fld id="{565CE74E-AB26-4998-AD42-012C4C1AD076}" type="slidenum">
-              <a:rPr lang="zh-CN" altLang="en-US" smtClean="0"/>
-            </a:fld>
-            <a:endParaRPr lang="zh-CN" altLang="en-US"/>
-          </a:p>
-        </p:txBody>
-      </p:sp>
-    </p:spTree>
-  </p:cSld>
-  <p:clrMapOvr>
-    <a:masterClrMapping/>
-  </p:clrMapOvr>
-  <p:hf sldNum="0" hdr="0"/>
-</p:sldLayout>
-</file>
-
-<file path=ppt/slideLayouts/slideLayout19.xml><?xml version="1.0" encoding="utf-8"?>
-<p:sldLayout xmlns:a="http://schemas.openxmlformats.org/drawingml/2006/main" xmlns:r="http://schemas.openxmlformats.org/officeDocument/2006/relationships" xmlns:p="http://schemas.openxmlformats.org/presentationml/2006/main" type="objTx" preserve="1">
-  <p:cSld name="内容与标题">
-    <p:spTree>
-      <p:nvGrpSpPr>
-        <p:cNvPr id="1" name=""/>
-        <p:cNvGrpSpPr/>
-        <p:nvPr/>
-      </p:nvGrpSpPr>
-      <p:grpSpPr>
-        <a:xfrm>
-          <a:off x="0" y="0"/>
-          <a:ext cx="0" cy="0"/>
-          <a:chOff x="0" y="0"/>
-          <a:chExt cx="0" cy="0"/>
-        </a:xfrm>
-      </p:grpSpPr>
-      <p:sp>
-        <p:nvSpPr>
-          <p:cNvPr id="2" name="标题 1"/>
-          <p:cNvSpPr>
-            <a:spLocks noGrp="1"/>
-          </p:cNvSpPr>
-          <p:nvPr>
-            <p:ph type="title"/>
-          </p:nvPr>
-        </p:nvSpPr>
-        <p:spPr>
-          <a:xfrm>
-            <a:off x="839788" y="457200"/>
-            <a:ext cx="3932237" cy="1600200"/>
-          </a:xfrm>
-        </p:spPr>
-        <p:txBody>
-          <a:bodyPr anchor="b"/>
-          <a:lstStyle>
-            <a:lvl1pPr>
-              <a:defRPr sz="3200"/>
-            </a:lvl1pPr>
-          </a:lstStyle>
-          <a:p>
-            <a:r>
-              <a:rPr lang="zh-CN" altLang="en-US" smtClean="0"/>
-              <a:t>单击此处编辑母版标题样式</a:t>
-            </a:r>
-            <a:endParaRPr lang="zh-CN" altLang="en-US"/>
-          </a:p>
-        </p:txBody>
-      </p:sp>
-      <p:sp>
-        <p:nvSpPr>
-          <p:cNvPr id="3" name="内容占位符 2"/>
-          <p:cNvSpPr>
-            <a:spLocks noGrp="1"/>
-          </p:cNvSpPr>
-          <p:nvPr>
-            <p:ph idx="1"/>
-          </p:nvPr>
-        </p:nvSpPr>
-        <p:spPr>
-          <a:xfrm>
-            <a:off x="5183188" y="987425"/>
-            <a:ext cx="6172200" cy="4873625"/>
-          </a:xfrm>
-        </p:spPr>
-        <p:txBody>
-          <a:bodyPr/>
-          <a:lstStyle>
-            <a:lvl1pPr>
-              <a:defRPr sz="3200"/>
-            </a:lvl1pPr>
-            <a:lvl2pPr>
-              <a:defRPr sz="2800"/>
-            </a:lvl2pPr>
-            <a:lvl3pPr>
-              <a:defRPr sz="2400"/>
-            </a:lvl3pPr>
-            <a:lvl4pPr>
-              <a:defRPr sz="2000"/>
-            </a:lvl4pPr>
-            <a:lvl5pPr>
-              <a:defRPr sz="2000"/>
-            </a:lvl5pPr>
-            <a:lvl6pPr>
-              <a:defRPr sz="2000"/>
-            </a:lvl6pPr>
-            <a:lvl7pPr>
-              <a:defRPr sz="2000"/>
-            </a:lvl7pPr>
-            <a:lvl8pPr>
-              <a:defRPr sz="2000"/>
-            </a:lvl8pPr>
-            <a:lvl9pPr>
-              <a:defRPr sz="2000"/>
-            </a:lvl9pPr>
-          </a:lstStyle>
-          <a:p>
-            <a:pPr lvl="0"/>
-            <a:r>
-              <a:rPr lang="zh-CN" altLang="en-US" smtClean="0"/>
-              <a:t>单击此处编辑母版文本样式</a:t>
-            </a:r>
-            <a:endParaRPr lang="zh-CN" altLang="en-US" smtClean="0"/>
-          </a:p>
-          <a:p>
-            <a:pPr lvl="1"/>
-            <a:r>
-              <a:rPr lang="zh-CN" altLang="en-US" smtClean="0"/>
-              <a:t>第二级</a:t>
-            </a:r>
-            <a:endParaRPr lang="zh-CN" altLang="en-US" smtClean="0"/>
-          </a:p>
-          <a:p>
-            <a:pPr lvl="2"/>
-            <a:r>
-              <a:rPr lang="zh-CN" altLang="en-US" smtClean="0"/>
-              <a:t>第三级</a:t>
-            </a:r>
-            <a:endParaRPr lang="zh-CN" altLang="en-US" smtClean="0"/>
-          </a:p>
-          <a:p>
-            <a:pPr lvl="3"/>
-            <a:r>
-              <a:rPr lang="zh-CN" altLang="en-US" smtClean="0"/>
-              <a:t>第四级</a:t>
-            </a:r>
-            <a:endParaRPr lang="zh-CN" altLang="en-US" smtClean="0"/>
-          </a:p>
-          <a:p>
-            <a:pPr lvl="4"/>
-            <a:r>
-              <a:rPr lang="zh-CN" altLang="en-US" smtClean="0"/>
-              <a:t>第五级</a:t>
-            </a:r>
-            <a:endParaRPr lang="zh-CN" altLang="en-US"/>
-          </a:p>
-        </p:txBody>
-      </p:sp>
-      <p:sp>
-        <p:nvSpPr>
-          <p:cNvPr id="4" name="文本占位符 3"/>
-          <p:cNvSpPr>
-            <a:spLocks noGrp="1"/>
-          </p:cNvSpPr>
-          <p:nvPr>
-            <p:ph type="body" sz="half" idx="2"/>
-          </p:nvPr>
-        </p:nvSpPr>
-        <p:spPr>
-          <a:xfrm>
-            <a:off x="839788" y="2057400"/>
-            <a:ext cx="3932237" cy="3811588"/>
-          </a:xfrm>
-        </p:spPr>
-        <p:txBody>
-          <a:bodyPr/>
-          <a:lstStyle>
-            <a:lvl1pPr marL="0" indent="0">
-              <a:buNone/>
-              <a:defRPr sz="1600"/>
-            </a:lvl1pPr>
-            <a:lvl2pPr marL="457200" indent="0">
-              <a:buNone/>
-              <a:defRPr sz="1400"/>
-            </a:lvl2pPr>
-            <a:lvl3pPr marL="914400" indent="0">
-              <a:buNone/>
-              <a:defRPr sz="1200"/>
-            </a:lvl3pPr>
-            <a:lvl4pPr marL="1371600" indent="0">
-              <a:buNone/>
-              <a:defRPr sz="1000"/>
-            </a:lvl4pPr>
-            <a:lvl5pPr marL="1828800" indent="0">
-              <a:buNone/>
-              <a:defRPr sz="1000"/>
-            </a:lvl5pPr>
-            <a:lvl6pPr marL="2286000" indent="0">
-              <a:buNone/>
-              <a:defRPr sz="1000"/>
-            </a:lvl6pPr>
-            <a:lvl7pPr marL="2743200" indent="0">
-              <a:buNone/>
-              <a:defRPr sz="1000"/>
-            </a:lvl7pPr>
-            <a:lvl8pPr marL="3200400" indent="0">
-              <a:buNone/>
-              <a:defRPr sz="1000"/>
-            </a:lvl8pPr>
-            <a:lvl9pPr marL="3657600" indent="0">
-              <a:buNone/>
-              <a:defRPr sz="1000"/>
-            </a:lvl9pPr>
-          </a:lstStyle>
-          <a:p>
-            <a:pPr lvl="0"/>
-            <a:r>
-              <a:rPr lang="zh-CN" altLang="en-US" smtClean="0"/>
-              <a:t>单击此处编辑母版文本样式</a:t>
-            </a:r>
-            <a:endParaRPr lang="zh-CN" altLang="en-US" smtClean="0"/>
-          </a:p>
-        </p:txBody>
-      </p:sp>
-      <p:sp>
-        <p:nvSpPr>
-          <p:cNvPr id="5" name="日期占位符 4"/>
-          <p:cNvSpPr>
-            <a:spLocks noGrp="1"/>
-          </p:cNvSpPr>
-          <p:nvPr>
-            <p:ph type="dt" sz="half" idx="10"/>
-          </p:nvPr>
-        </p:nvSpPr>
-        <p:spPr/>
-        <p:txBody>
-          <a:bodyPr/>
-          <a:lstStyle/>
-          <a:p>
-            <a:fld id="{D997B5FA-0921-464F-AAE1-844C04324D75}" type="datetime1">
-              <a:rPr lang="en-US" altLang="en-US" smtClean="0"/>
-            </a:fld>
-            <a:endParaRPr lang="zh-CN" altLang="en-US"/>
-          </a:p>
-        </p:txBody>
-      </p:sp>
-      <p:sp>
-        <p:nvSpPr>
-          <p:cNvPr id="6" name="页脚占位符 5"/>
-          <p:cNvSpPr>
-            <a:spLocks noGrp="1"/>
-          </p:cNvSpPr>
-          <p:nvPr>
-            <p:ph type="ftr" sz="quarter" idx="11"/>
-          </p:nvPr>
-        </p:nvSpPr>
-        <p:spPr/>
-        <p:txBody>
-          <a:bodyPr/>
-          <a:lstStyle/>
-          <a:p>
-            <a:r>
-              <a:rPr lang="zh-CN" altLang="en-US"/>
-              <a:t>CCATS Group(Brandeis)</a:t>
-            </a:r>
-            <a:endParaRPr lang="zh-CN" altLang="en-US"/>
-          </a:p>
-        </p:txBody>
-      </p:sp>
-      <p:sp>
-        <p:nvSpPr>
-          <p:cNvPr id="7" name="灯片编号占位符 6"/>
-          <p:cNvSpPr>
-            <a:spLocks noGrp="1"/>
-          </p:cNvSpPr>
-          <p:nvPr>
-            <p:ph type="sldNum" sz="quarter" idx="12"/>
-          </p:nvPr>
-        </p:nvSpPr>
-        <p:spPr/>
-        <p:txBody>
-          <a:bodyPr/>
-          <a:lstStyle/>
-          <a:p>
-            <a:fld id="{565CE74E-AB26-4998-AD42-012C4C1AD076}" type="slidenum">
-              <a:rPr lang="zh-CN" altLang="en-US" smtClean="0"/>
-            </a:fld>
-            <a:endParaRPr lang="zh-CN" altLang="en-US"/>
-          </a:p>
-        </p:txBody>
-      </p:sp>
-    </p:spTree>
-  </p:cSld>
-  <p:clrMapOvr>
-    <a:masterClrMapping/>
-  </p:clrMapOvr>
-  <p:hf sldNum="0" hdr="0"/>
-</p:sldLayout>
-</file>
-
 <file path=ppt/slideLayouts/slideLayout2.xml><?xml version="1.0" encoding="utf-8"?>
 <p:sldLayout xmlns:a="http://schemas.openxmlformats.org/drawingml/2006/main" xmlns:r="http://schemas.openxmlformats.org/officeDocument/2006/relationships" xmlns:p="http://schemas.openxmlformats.org/presentationml/2006/main" type="obj" preserve="1">
   <p:cSld name="标题和内容">
@@ -2774,612 +1110,6 @@
         <p:spPr/>
         <p:txBody>
           <a:bodyPr/>
-          <a:lstStyle/>
-          <a:p>
-            <a:pPr lvl="0"/>
-            <a:r>
-              <a:rPr lang="zh-CN" altLang="en-US" smtClean="0"/>
-              <a:t>单击此处编辑母版文本样式</a:t>
-            </a:r>
-            <a:endParaRPr lang="zh-CN" altLang="en-US" smtClean="0"/>
-          </a:p>
-          <a:p>
-            <a:pPr lvl="1"/>
-            <a:r>
-              <a:rPr lang="zh-CN" altLang="en-US" smtClean="0"/>
-              <a:t>第二级</a:t>
-            </a:r>
-            <a:endParaRPr lang="zh-CN" altLang="en-US" smtClean="0"/>
-          </a:p>
-          <a:p>
-            <a:pPr lvl="2"/>
-            <a:r>
-              <a:rPr lang="zh-CN" altLang="en-US" smtClean="0"/>
-              <a:t>第三级</a:t>
-            </a:r>
-            <a:endParaRPr lang="zh-CN" altLang="en-US" smtClean="0"/>
-          </a:p>
-          <a:p>
-            <a:pPr lvl="3"/>
-            <a:r>
-              <a:rPr lang="zh-CN" altLang="en-US" smtClean="0"/>
-              <a:t>第四级</a:t>
-            </a:r>
-            <a:endParaRPr lang="zh-CN" altLang="en-US" smtClean="0"/>
-          </a:p>
-          <a:p>
-            <a:pPr lvl="4"/>
-            <a:r>
-              <a:rPr lang="zh-CN" altLang="en-US" smtClean="0"/>
-              <a:t>第五级</a:t>
-            </a:r>
-            <a:endParaRPr lang="zh-CN" altLang="en-US"/>
-          </a:p>
-        </p:txBody>
-      </p:sp>
-      <p:sp>
-        <p:nvSpPr>
-          <p:cNvPr id="4" name="日期占位符 3"/>
-          <p:cNvSpPr>
-            <a:spLocks noGrp="1"/>
-          </p:cNvSpPr>
-          <p:nvPr>
-            <p:ph type="dt" sz="half" idx="10"/>
-          </p:nvPr>
-        </p:nvSpPr>
-        <p:spPr/>
-        <p:txBody>
-          <a:bodyPr/>
-          <a:lstStyle/>
-          <a:p>
-            <a:fld id="{D997B5FA-0921-464F-AAE1-844C04324D75}" type="datetime1">
-              <a:rPr lang="en-US" altLang="en-US" smtClean="0"/>
-            </a:fld>
-            <a:endParaRPr lang="zh-CN" altLang="en-US"/>
-          </a:p>
-        </p:txBody>
-      </p:sp>
-      <p:sp>
-        <p:nvSpPr>
-          <p:cNvPr id="5" name="页脚占位符 4"/>
-          <p:cNvSpPr>
-            <a:spLocks noGrp="1"/>
-          </p:cNvSpPr>
-          <p:nvPr>
-            <p:ph type="ftr" sz="quarter" idx="11"/>
-          </p:nvPr>
-        </p:nvSpPr>
-        <p:spPr/>
-        <p:txBody>
-          <a:bodyPr/>
-          <a:lstStyle/>
-          <a:p>
-            <a:r>
-              <a:rPr lang="zh-CN" altLang="en-US"/>
-              <a:t>CCATS Group(Brandeis)</a:t>
-            </a:r>
-            <a:endParaRPr lang="zh-CN" altLang="en-US"/>
-          </a:p>
-        </p:txBody>
-      </p:sp>
-      <p:sp>
-        <p:nvSpPr>
-          <p:cNvPr id="6" name="灯片编号占位符 5"/>
-          <p:cNvSpPr>
-            <a:spLocks noGrp="1"/>
-          </p:cNvSpPr>
-          <p:nvPr>
-            <p:ph type="sldNum" sz="quarter" idx="12"/>
-          </p:nvPr>
-        </p:nvSpPr>
-        <p:spPr/>
-        <p:txBody>
-          <a:bodyPr/>
-          <a:lstStyle/>
-          <a:p>
-            <a:fld id="{565CE74E-AB26-4998-AD42-012C4C1AD076}" type="slidenum">
-              <a:rPr lang="zh-CN" altLang="en-US" smtClean="0"/>
-            </a:fld>
-            <a:endParaRPr lang="zh-CN" altLang="en-US"/>
-          </a:p>
-        </p:txBody>
-      </p:sp>
-    </p:spTree>
-  </p:cSld>
-  <p:clrMapOvr>
-    <a:masterClrMapping/>
-  </p:clrMapOvr>
-  <p:hf sldNum="0" hdr="0"/>
-</p:sldLayout>
-</file>
-
-<file path=ppt/slideLayouts/slideLayout20.xml><?xml version="1.0" encoding="utf-8"?>
-<p:sldLayout xmlns:a="http://schemas.openxmlformats.org/drawingml/2006/main" xmlns:r="http://schemas.openxmlformats.org/officeDocument/2006/relationships" xmlns:p="http://schemas.openxmlformats.org/presentationml/2006/main" type="picTx" preserve="1">
-  <p:cSld name="图片与标题">
-    <p:spTree>
-      <p:nvGrpSpPr>
-        <p:cNvPr id="1" name=""/>
-        <p:cNvGrpSpPr/>
-        <p:nvPr/>
-      </p:nvGrpSpPr>
-      <p:grpSpPr>
-        <a:xfrm>
-          <a:off x="0" y="0"/>
-          <a:ext cx="0" cy="0"/>
-          <a:chOff x="0" y="0"/>
-          <a:chExt cx="0" cy="0"/>
-        </a:xfrm>
-      </p:grpSpPr>
-      <p:sp>
-        <p:nvSpPr>
-          <p:cNvPr id="2" name="标题 1"/>
-          <p:cNvSpPr>
-            <a:spLocks noGrp="1"/>
-          </p:cNvSpPr>
-          <p:nvPr>
-            <p:ph type="title"/>
-          </p:nvPr>
-        </p:nvSpPr>
-        <p:spPr>
-          <a:xfrm>
-            <a:off x="839788" y="457200"/>
-            <a:ext cx="3932237" cy="1600200"/>
-          </a:xfrm>
-        </p:spPr>
-        <p:txBody>
-          <a:bodyPr anchor="b"/>
-          <a:lstStyle>
-            <a:lvl1pPr>
-              <a:defRPr sz="3200"/>
-            </a:lvl1pPr>
-          </a:lstStyle>
-          <a:p>
-            <a:r>
-              <a:rPr lang="zh-CN" altLang="en-US" smtClean="0"/>
-              <a:t>单击此处编辑母版标题样式</a:t>
-            </a:r>
-            <a:endParaRPr lang="zh-CN" altLang="en-US"/>
-          </a:p>
-        </p:txBody>
-      </p:sp>
-      <p:sp>
-        <p:nvSpPr>
-          <p:cNvPr id="3" name="图片占位符 2"/>
-          <p:cNvSpPr>
-            <a:spLocks noGrp="1"/>
-          </p:cNvSpPr>
-          <p:nvPr>
-            <p:ph type="pic" idx="1"/>
-          </p:nvPr>
-        </p:nvSpPr>
-        <p:spPr>
-          <a:xfrm>
-            <a:off x="5183188" y="987425"/>
-            <a:ext cx="6172200" cy="4873625"/>
-          </a:xfrm>
-        </p:spPr>
-        <p:txBody>
-          <a:bodyPr/>
-          <a:lstStyle>
-            <a:lvl1pPr marL="0" indent="0">
-              <a:buNone/>
-              <a:defRPr sz="3200"/>
-            </a:lvl1pPr>
-            <a:lvl2pPr marL="457200" indent="0">
-              <a:buNone/>
-              <a:defRPr sz="2800"/>
-            </a:lvl2pPr>
-            <a:lvl3pPr marL="914400" indent="0">
-              <a:buNone/>
-              <a:defRPr sz="2400"/>
-            </a:lvl3pPr>
-            <a:lvl4pPr marL="1371600" indent="0">
-              <a:buNone/>
-              <a:defRPr sz="2000"/>
-            </a:lvl4pPr>
-            <a:lvl5pPr marL="1828800" indent="0">
-              <a:buNone/>
-              <a:defRPr sz="2000"/>
-            </a:lvl5pPr>
-            <a:lvl6pPr marL="2286000" indent="0">
-              <a:buNone/>
-              <a:defRPr sz="2000"/>
-            </a:lvl6pPr>
-            <a:lvl7pPr marL="2743200" indent="0">
-              <a:buNone/>
-              <a:defRPr sz="2000"/>
-            </a:lvl7pPr>
-            <a:lvl8pPr marL="3200400" indent="0">
-              <a:buNone/>
-              <a:defRPr sz="2000"/>
-            </a:lvl8pPr>
-            <a:lvl9pPr marL="3657600" indent="0">
-              <a:buNone/>
-              <a:defRPr sz="2000"/>
-            </a:lvl9pPr>
-          </a:lstStyle>
-          <a:p>
-            <a:endParaRPr lang="zh-CN" altLang="en-US"/>
-          </a:p>
-        </p:txBody>
-      </p:sp>
-      <p:sp>
-        <p:nvSpPr>
-          <p:cNvPr id="4" name="文本占位符 3"/>
-          <p:cNvSpPr>
-            <a:spLocks noGrp="1"/>
-          </p:cNvSpPr>
-          <p:nvPr>
-            <p:ph type="body" sz="half" idx="2"/>
-          </p:nvPr>
-        </p:nvSpPr>
-        <p:spPr>
-          <a:xfrm>
-            <a:off x="839788" y="2057400"/>
-            <a:ext cx="3932237" cy="3811588"/>
-          </a:xfrm>
-        </p:spPr>
-        <p:txBody>
-          <a:bodyPr/>
-          <a:lstStyle>
-            <a:lvl1pPr marL="0" indent="0">
-              <a:buNone/>
-              <a:defRPr sz="1600"/>
-            </a:lvl1pPr>
-            <a:lvl2pPr marL="457200" indent="0">
-              <a:buNone/>
-              <a:defRPr sz="1400"/>
-            </a:lvl2pPr>
-            <a:lvl3pPr marL="914400" indent="0">
-              <a:buNone/>
-              <a:defRPr sz="1200"/>
-            </a:lvl3pPr>
-            <a:lvl4pPr marL="1371600" indent="0">
-              <a:buNone/>
-              <a:defRPr sz="1000"/>
-            </a:lvl4pPr>
-            <a:lvl5pPr marL="1828800" indent="0">
-              <a:buNone/>
-              <a:defRPr sz="1000"/>
-            </a:lvl5pPr>
-            <a:lvl6pPr marL="2286000" indent="0">
-              <a:buNone/>
-              <a:defRPr sz="1000"/>
-            </a:lvl6pPr>
-            <a:lvl7pPr marL="2743200" indent="0">
-              <a:buNone/>
-              <a:defRPr sz="1000"/>
-            </a:lvl7pPr>
-            <a:lvl8pPr marL="3200400" indent="0">
-              <a:buNone/>
-              <a:defRPr sz="1000"/>
-            </a:lvl8pPr>
-            <a:lvl9pPr marL="3657600" indent="0">
-              <a:buNone/>
-              <a:defRPr sz="1000"/>
-            </a:lvl9pPr>
-          </a:lstStyle>
-          <a:p>
-            <a:pPr lvl="0"/>
-            <a:r>
-              <a:rPr lang="zh-CN" altLang="en-US" smtClean="0"/>
-              <a:t>单击此处编辑母版文本样式</a:t>
-            </a:r>
-            <a:endParaRPr lang="zh-CN" altLang="en-US" smtClean="0"/>
-          </a:p>
-        </p:txBody>
-      </p:sp>
-      <p:sp>
-        <p:nvSpPr>
-          <p:cNvPr id="5" name="日期占位符 4"/>
-          <p:cNvSpPr>
-            <a:spLocks noGrp="1"/>
-          </p:cNvSpPr>
-          <p:nvPr>
-            <p:ph type="dt" sz="half" idx="10"/>
-          </p:nvPr>
-        </p:nvSpPr>
-        <p:spPr/>
-        <p:txBody>
-          <a:bodyPr/>
-          <a:lstStyle/>
-          <a:p>
-            <a:fld id="{D997B5FA-0921-464F-AAE1-844C04324D75}" type="datetime1">
-              <a:rPr lang="en-US" altLang="en-US" smtClean="0"/>
-            </a:fld>
-            <a:endParaRPr lang="zh-CN" altLang="en-US"/>
-          </a:p>
-        </p:txBody>
-      </p:sp>
-      <p:sp>
-        <p:nvSpPr>
-          <p:cNvPr id="6" name="页脚占位符 5"/>
-          <p:cNvSpPr>
-            <a:spLocks noGrp="1"/>
-          </p:cNvSpPr>
-          <p:nvPr>
-            <p:ph type="ftr" sz="quarter" idx="11"/>
-          </p:nvPr>
-        </p:nvSpPr>
-        <p:spPr/>
-        <p:txBody>
-          <a:bodyPr/>
-          <a:lstStyle/>
-          <a:p>
-            <a:r>
-              <a:rPr lang="zh-CN" altLang="en-US"/>
-              <a:t>CCATS Group(Brandeis)</a:t>
-            </a:r>
-            <a:endParaRPr lang="zh-CN" altLang="en-US"/>
-          </a:p>
-        </p:txBody>
-      </p:sp>
-      <p:sp>
-        <p:nvSpPr>
-          <p:cNvPr id="7" name="灯片编号占位符 6"/>
-          <p:cNvSpPr>
-            <a:spLocks noGrp="1"/>
-          </p:cNvSpPr>
-          <p:nvPr>
-            <p:ph type="sldNum" sz="quarter" idx="12"/>
-          </p:nvPr>
-        </p:nvSpPr>
-        <p:spPr/>
-        <p:txBody>
-          <a:bodyPr/>
-          <a:lstStyle/>
-          <a:p>
-            <a:fld id="{565CE74E-AB26-4998-AD42-012C4C1AD076}" type="slidenum">
-              <a:rPr lang="zh-CN" altLang="en-US" smtClean="0"/>
-            </a:fld>
-            <a:endParaRPr lang="zh-CN" altLang="en-US"/>
-          </a:p>
-        </p:txBody>
-      </p:sp>
-    </p:spTree>
-  </p:cSld>
-  <p:clrMapOvr>
-    <a:masterClrMapping/>
-  </p:clrMapOvr>
-  <p:hf sldNum="0" hdr="0"/>
-</p:sldLayout>
-</file>
-
-<file path=ppt/slideLayouts/slideLayout21.xml><?xml version="1.0" encoding="utf-8"?>
-<p:sldLayout xmlns:a="http://schemas.openxmlformats.org/drawingml/2006/main" xmlns:r="http://schemas.openxmlformats.org/officeDocument/2006/relationships" xmlns:p="http://schemas.openxmlformats.org/presentationml/2006/main" type="vertTx" preserve="1">
-  <p:cSld name="标题和竖排文字">
-    <p:spTree>
-      <p:nvGrpSpPr>
-        <p:cNvPr id="1" name=""/>
-        <p:cNvGrpSpPr/>
-        <p:nvPr/>
-      </p:nvGrpSpPr>
-      <p:grpSpPr>
-        <a:xfrm>
-          <a:off x="0" y="0"/>
-          <a:ext cx="0" cy="0"/>
-          <a:chOff x="0" y="0"/>
-          <a:chExt cx="0" cy="0"/>
-        </a:xfrm>
-      </p:grpSpPr>
-      <p:sp>
-        <p:nvSpPr>
-          <p:cNvPr id="2" name="标题 1"/>
-          <p:cNvSpPr>
-            <a:spLocks noGrp="1"/>
-          </p:cNvSpPr>
-          <p:nvPr>
-            <p:ph type="title"/>
-          </p:nvPr>
-        </p:nvSpPr>
-        <p:spPr/>
-        <p:txBody>
-          <a:bodyPr/>
-          <a:lstStyle/>
-          <a:p>
-            <a:r>
-              <a:rPr lang="zh-CN" altLang="en-US" smtClean="0"/>
-              <a:t>单击此处编辑母版标题样式</a:t>
-            </a:r>
-            <a:endParaRPr lang="zh-CN" altLang="en-US"/>
-          </a:p>
-        </p:txBody>
-      </p:sp>
-      <p:sp>
-        <p:nvSpPr>
-          <p:cNvPr id="3" name="竖排文字占位符 2"/>
-          <p:cNvSpPr>
-            <a:spLocks noGrp="1"/>
-          </p:cNvSpPr>
-          <p:nvPr>
-            <p:ph type="body" orient="vert" idx="1"/>
-          </p:nvPr>
-        </p:nvSpPr>
-        <p:spPr/>
-        <p:txBody>
-          <a:bodyPr vert="eaVert"/>
-          <a:lstStyle/>
-          <a:p>
-            <a:pPr lvl="0"/>
-            <a:r>
-              <a:rPr lang="zh-CN" altLang="en-US" smtClean="0"/>
-              <a:t>单击此处编辑母版文本样式</a:t>
-            </a:r>
-            <a:endParaRPr lang="zh-CN" altLang="en-US" smtClean="0"/>
-          </a:p>
-          <a:p>
-            <a:pPr lvl="1"/>
-            <a:r>
-              <a:rPr lang="zh-CN" altLang="en-US" smtClean="0"/>
-              <a:t>第二级</a:t>
-            </a:r>
-            <a:endParaRPr lang="zh-CN" altLang="en-US" smtClean="0"/>
-          </a:p>
-          <a:p>
-            <a:pPr lvl="2"/>
-            <a:r>
-              <a:rPr lang="zh-CN" altLang="en-US" smtClean="0"/>
-              <a:t>第三级</a:t>
-            </a:r>
-            <a:endParaRPr lang="zh-CN" altLang="en-US" smtClean="0"/>
-          </a:p>
-          <a:p>
-            <a:pPr lvl="3"/>
-            <a:r>
-              <a:rPr lang="zh-CN" altLang="en-US" smtClean="0"/>
-              <a:t>第四级</a:t>
-            </a:r>
-            <a:endParaRPr lang="zh-CN" altLang="en-US" smtClean="0"/>
-          </a:p>
-          <a:p>
-            <a:pPr lvl="4"/>
-            <a:r>
-              <a:rPr lang="zh-CN" altLang="en-US" smtClean="0"/>
-              <a:t>第五级</a:t>
-            </a:r>
-            <a:endParaRPr lang="zh-CN" altLang="en-US"/>
-          </a:p>
-        </p:txBody>
-      </p:sp>
-      <p:sp>
-        <p:nvSpPr>
-          <p:cNvPr id="4" name="日期占位符 3"/>
-          <p:cNvSpPr>
-            <a:spLocks noGrp="1"/>
-          </p:cNvSpPr>
-          <p:nvPr>
-            <p:ph type="dt" sz="half" idx="10"/>
-          </p:nvPr>
-        </p:nvSpPr>
-        <p:spPr/>
-        <p:txBody>
-          <a:bodyPr/>
-          <a:lstStyle/>
-          <a:p>
-            <a:fld id="{D997B5FA-0921-464F-AAE1-844C04324D75}" type="datetime1">
-              <a:rPr lang="en-US" altLang="en-US" smtClean="0"/>
-            </a:fld>
-            <a:endParaRPr lang="zh-CN" altLang="en-US"/>
-          </a:p>
-        </p:txBody>
-      </p:sp>
-      <p:sp>
-        <p:nvSpPr>
-          <p:cNvPr id="5" name="页脚占位符 4"/>
-          <p:cNvSpPr>
-            <a:spLocks noGrp="1"/>
-          </p:cNvSpPr>
-          <p:nvPr>
-            <p:ph type="ftr" sz="quarter" idx="11"/>
-          </p:nvPr>
-        </p:nvSpPr>
-        <p:spPr/>
-        <p:txBody>
-          <a:bodyPr/>
-          <a:lstStyle/>
-          <a:p>
-            <a:r>
-              <a:rPr lang="zh-CN" altLang="en-US"/>
-              <a:t>CCATS Group(Brandeis)</a:t>
-            </a:r>
-            <a:endParaRPr lang="zh-CN" altLang="en-US"/>
-          </a:p>
-        </p:txBody>
-      </p:sp>
-      <p:sp>
-        <p:nvSpPr>
-          <p:cNvPr id="6" name="灯片编号占位符 5"/>
-          <p:cNvSpPr>
-            <a:spLocks noGrp="1"/>
-          </p:cNvSpPr>
-          <p:nvPr>
-            <p:ph type="sldNum" sz="quarter" idx="12"/>
-          </p:nvPr>
-        </p:nvSpPr>
-        <p:spPr/>
-        <p:txBody>
-          <a:bodyPr/>
-          <a:lstStyle/>
-          <a:p>
-            <a:fld id="{565CE74E-AB26-4998-AD42-012C4C1AD076}" type="slidenum">
-              <a:rPr lang="zh-CN" altLang="en-US" smtClean="0"/>
-            </a:fld>
-            <a:endParaRPr lang="zh-CN" altLang="en-US"/>
-          </a:p>
-        </p:txBody>
-      </p:sp>
-    </p:spTree>
-  </p:cSld>
-  <p:clrMapOvr>
-    <a:masterClrMapping/>
-  </p:clrMapOvr>
-  <p:hf sldNum="0" hdr="0"/>
-</p:sldLayout>
-</file>
-
-<file path=ppt/slideLayouts/slideLayout22.xml><?xml version="1.0" encoding="utf-8"?>
-<p:sldLayout xmlns:a="http://schemas.openxmlformats.org/drawingml/2006/main" xmlns:r="http://schemas.openxmlformats.org/officeDocument/2006/relationships" xmlns:p="http://schemas.openxmlformats.org/presentationml/2006/main" type="vertTitleAndTx" preserve="1">
-  <p:cSld name="垂直排列标题与&#10;文本">
-    <p:spTree>
-      <p:nvGrpSpPr>
-        <p:cNvPr id="1" name=""/>
-        <p:cNvGrpSpPr/>
-        <p:nvPr/>
-      </p:nvGrpSpPr>
-      <p:grpSpPr>
-        <a:xfrm>
-          <a:off x="0" y="0"/>
-          <a:ext cx="0" cy="0"/>
-          <a:chOff x="0" y="0"/>
-          <a:chExt cx="0" cy="0"/>
-        </a:xfrm>
-      </p:grpSpPr>
-      <p:sp>
-        <p:nvSpPr>
-          <p:cNvPr id="2" name="竖排标题 1"/>
-          <p:cNvSpPr>
-            <a:spLocks noGrp="1"/>
-          </p:cNvSpPr>
-          <p:nvPr>
-            <p:ph type="title" orient="vert"/>
-          </p:nvPr>
-        </p:nvSpPr>
-        <p:spPr>
-          <a:xfrm>
-            <a:off x="8724900" y="365125"/>
-            <a:ext cx="2628900" cy="5811838"/>
-          </a:xfrm>
-        </p:spPr>
-        <p:txBody>
-          <a:bodyPr vert="eaVert"/>
-          <a:lstStyle/>
-          <a:p>
-            <a:r>
-              <a:rPr lang="zh-CN" altLang="en-US" smtClean="0"/>
-              <a:t>单击此处编辑母版标题样式</a:t>
-            </a:r>
-            <a:endParaRPr lang="zh-CN" altLang="en-US"/>
-          </a:p>
-        </p:txBody>
-      </p:sp>
-      <p:sp>
-        <p:nvSpPr>
-          <p:cNvPr id="3" name="竖排文字占位符 2"/>
-          <p:cNvSpPr>
-            <a:spLocks noGrp="1"/>
-          </p:cNvSpPr>
-          <p:nvPr>
-            <p:ph type="body" orient="vert" idx="1"/>
-          </p:nvPr>
-        </p:nvSpPr>
-        <p:spPr>
-          <a:xfrm>
-            <a:off x="838200" y="365125"/>
-            <a:ext cx="7734300" cy="5811838"/>
-          </a:xfrm>
-        </p:spPr>
-        <p:txBody>
-          <a:bodyPr vert="eaVert"/>
           <a:lstStyle/>
           <a:p>
             <a:pPr lvl="0"/>
@@ -5640,1154 +3370,7 @@
 </p:sldMaster>
 </file>
 
-<file path=ppt/slideMasters/slideMaster2.xml><?xml version="1.0" encoding="utf-8"?>
-<p:sldMaster xmlns:a="http://schemas.openxmlformats.org/drawingml/2006/main" xmlns:r="http://schemas.openxmlformats.org/officeDocument/2006/relationships" xmlns:p="http://schemas.openxmlformats.org/presentationml/2006/main">
-  <p:cSld>
-    <p:bg>
-      <p:bgRef idx="1001">
-        <a:schemeClr val="bg1"/>
-      </p:bgRef>
-    </p:bg>
-    <p:spTree>
-      <p:nvGrpSpPr>
-        <p:cNvPr id="1" name=""/>
-        <p:cNvGrpSpPr/>
-        <p:nvPr/>
-      </p:nvGrpSpPr>
-      <p:grpSpPr>
-        <a:xfrm>
-          <a:off x="0" y="0"/>
-          <a:ext cx="0" cy="0"/>
-          <a:chOff x="0" y="0"/>
-          <a:chExt cx="0" cy="0"/>
-        </a:xfrm>
-      </p:grpSpPr>
-      <p:sp>
-        <p:nvSpPr>
-          <p:cNvPr id="2" name="标题占位符 1"/>
-          <p:cNvSpPr>
-            <a:spLocks noGrp="1"/>
-          </p:cNvSpPr>
-          <p:nvPr>
-            <p:ph type="title"/>
-          </p:nvPr>
-        </p:nvSpPr>
-        <p:spPr>
-          <a:xfrm>
-            <a:off x="838200" y="365125"/>
-            <a:ext cx="10515600" cy="1325563"/>
-          </a:xfrm>
-          <a:prstGeom prst="rect">
-            <a:avLst/>
-          </a:prstGeom>
-        </p:spPr>
-        <p:txBody>
-          <a:bodyPr vert="horz" lIns="91440" tIns="45720" rIns="91440" bIns="45720" rtlCol="0" anchor="ctr">
-            <a:normAutofit/>
-          </a:bodyPr>
-          <a:lstStyle/>
-          <a:p>
-            <a:r>
-              <a:rPr lang="zh-CN" altLang="en-US" smtClean="0"/>
-              <a:t>单击此处编辑母版标题样式</a:t>
-            </a:r>
-            <a:endParaRPr lang="zh-CN" altLang="en-US"/>
-          </a:p>
-        </p:txBody>
-      </p:sp>
-      <p:sp>
-        <p:nvSpPr>
-          <p:cNvPr id="3" name="文本占位符 2"/>
-          <p:cNvSpPr>
-            <a:spLocks noGrp="1"/>
-          </p:cNvSpPr>
-          <p:nvPr>
-            <p:ph type="body" idx="1"/>
-          </p:nvPr>
-        </p:nvSpPr>
-        <p:spPr>
-          <a:xfrm>
-            <a:off x="838200" y="1825625"/>
-            <a:ext cx="10515600" cy="4351338"/>
-          </a:xfrm>
-          <a:prstGeom prst="rect">
-            <a:avLst/>
-          </a:prstGeom>
-        </p:spPr>
-        <p:txBody>
-          <a:bodyPr vert="horz" lIns="91440" tIns="45720" rIns="91440" bIns="45720" rtlCol="0">
-            <a:normAutofit/>
-          </a:bodyPr>
-          <a:lstStyle/>
-          <a:p>
-            <a:pPr lvl="0"/>
-            <a:r>
-              <a:rPr lang="zh-CN" altLang="en-US" smtClean="0"/>
-              <a:t>单击此处编辑母版文本样式</a:t>
-            </a:r>
-            <a:endParaRPr lang="zh-CN" altLang="en-US" smtClean="0"/>
-          </a:p>
-          <a:p>
-            <a:pPr lvl="1"/>
-            <a:r>
-              <a:rPr lang="zh-CN" altLang="en-US" smtClean="0"/>
-              <a:t>第二级</a:t>
-            </a:r>
-            <a:endParaRPr lang="zh-CN" altLang="en-US" smtClean="0"/>
-          </a:p>
-          <a:p>
-            <a:pPr lvl="2"/>
-            <a:r>
-              <a:rPr lang="zh-CN" altLang="en-US" smtClean="0"/>
-              <a:t>第三级</a:t>
-            </a:r>
-            <a:endParaRPr lang="zh-CN" altLang="en-US" smtClean="0"/>
-          </a:p>
-          <a:p>
-            <a:pPr lvl="3"/>
-            <a:r>
-              <a:rPr lang="zh-CN" altLang="en-US" smtClean="0"/>
-              <a:t>第四级</a:t>
-            </a:r>
-            <a:endParaRPr lang="zh-CN" altLang="en-US" smtClean="0"/>
-          </a:p>
-          <a:p>
-            <a:pPr lvl="4"/>
-            <a:r>
-              <a:rPr lang="zh-CN" altLang="en-US" smtClean="0"/>
-              <a:t>第五级</a:t>
-            </a:r>
-            <a:endParaRPr lang="zh-CN" altLang="en-US"/>
-          </a:p>
-        </p:txBody>
-      </p:sp>
-      <p:sp>
-        <p:nvSpPr>
-          <p:cNvPr id="4" name="日期占位符 3"/>
-          <p:cNvSpPr>
-            <a:spLocks noGrp="1"/>
-          </p:cNvSpPr>
-          <p:nvPr>
-            <p:ph type="dt" sz="half" idx="2"/>
-          </p:nvPr>
-        </p:nvSpPr>
-        <p:spPr>
-          <a:xfrm>
-            <a:off x="838200" y="6356350"/>
-            <a:ext cx="2743200" cy="365125"/>
-          </a:xfrm>
-          <a:prstGeom prst="rect">
-            <a:avLst/>
-          </a:prstGeom>
-        </p:spPr>
-        <p:txBody>
-          <a:bodyPr vert="horz" lIns="91440" tIns="45720" rIns="91440" bIns="45720" rtlCol="0" anchor="ctr"/>
-          <a:lstStyle>
-            <a:lvl1pPr algn="l">
-              <a:defRPr sz="1200">
-                <a:solidFill>
-                  <a:schemeClr val="tx1">
-                    <a:tint val="75000"/>
-                  </a:schemeClr>
-                </a:solidFill>
-              </a:defRPr>
-            </a:lvl1pPr>
-          </a:lstStyle>
-          <a:p>
-            <a:fld id="{D997B5FA-0921-464F-AAE1-844C04324D75}" type="datetime1">
-              <a:rPr lang="en-US" altLang="en-US" smtClean="0"/>
-            </a:fld>
-            <a:endParaRPr lang="zh-CN" altLang="en-US"/>
-          </a:p>
-        </p:txBody>
-      </p:sp>
-      <p:sp>
-        <p:nvSpPr>
-          <p:cNvPr id="5" name="页脚占位符 4"/>
-          <p:cNvSpPr>
-            <a:spLocks noGrp="1"/>
-          </p:cNvSpPr>
-          <p:nvPr>
-            <p:ph type="ftr" sz="quarter" idx="3"/>
-          </p:nvPr>
-        </p:nvSpPr>
-        <p:spPr>
-          <a:xfrm>
-            <a:off x="4038600" y="6356350"/>
-            <a:ext cx="4114800" cy="365125"/>
-          </a:xfrm>
-          <a:prstGeom prst="rect">
-            <a:avLst/>
-          </a:prstGeom>
-        </p:spPr>
-        <p:txBody>
-          <a:bodyPr vert="horz" lIns="91440" tIns="45720" rIns="91440" bIns="45720" rtlCol="0" anchor="ctr"/>
-          <a:lstStyle>
-            <a:lvl1pPr algn="ctr">
-              <a:defRPr sz="1200">
-                <a:solidFill>
-                  <a:schemeClr val="tx1">
-                    <a:tint val="75000"/>
-                  </a:schemeClr>
-                </a:solidFill>
-              </a:defRPr>
-            </a:lvl1pPr>
-          </a:lstStyle>
-          <a:p>
-            <a:r>
-              <a:rPr lang="zh-CN" altLang="en-US"/>
-              <a:t>CCATS Group(Brandeis)</a:t>
-            </a:r>
-            <a:endParaRPr lang="zh-CN" altLang="en-US"/>
-          </a:p>
-        </p:txBody>
-      </p:sp>
-      <p:sp>
-        <p:nvSpPr>
-          <p:cNvPr id="6" name="灯片编号占位符 5"/>
-          <p:cNvSpPr>
-            <a:spLocks noGrp="1"/>
-          </p:cNvSpPr>
-          <p:nvPr>
-            <p:ph type="sldNum" sz="quarter" idx="4"/>
-          </p:nvPr>
-        </p:nvSpPr>
-        <p:spPr>
-          <a:xfrm>
-            <a:off x="8610600" y="6356350"/>
-            <a:ext cx="2743200" cy="365125"/>
-          </a:xfrm>
-          <a:prstGeom prst="rect">
-            <a:avLst/>
-          </a:prstGeom>
-        </p:spPr>
-        <p:txBody>
-          <a:bodyPr vert="horz" lIns="91440" tIns="45720" rIns="91440" bIns="45720" rtlCol="0" anchor="ctr"/>
-          <a:lstStyle>
-            <a:lvl1pPr algn="r">
-              <a:defRPr sz="1200">
-                <a:solidFill>
-                  <a:schemeClr val="tx1">
-                    <a:tint val="75000"/>
-                  </a:schemeClr>
-                </a:solidFill>
-              </a:defRPr>
-            </a:lvl1pPr>
-          </a:lstStyle>
-          <a:p>
-            <a:fld id="{565CE74E-AB26-4998-AD42-012C4C1AD076}" type="slidenum">
-              <a:rPr lang="zh-CN" altLang="en-US" smtClean="0"/>
-            </a:fld>
-            <a:endParaRPr lang="zh-CN" altLang="en-US"/>
-          </a:p>
-        </p:txBody>
-      </p:sp>
-    </p:spTree>
-  </p:cSld>
-  <p:clrMap bg1="lt1" tx1="dk1" bg2="lt2" tx2="dk2" accent1="accent1" accent2="accent2" accent3="accent3" accent4="accent4" accent5="accent5" accent6="accent6" hlink="hlink" folHlink="folHlink"/>
-  <p:sldLayoutIdLst>
-    <p:sldLayoutId id="2147483661" r:id="rId1"/>
-    <p:sldLayoutId id="2147483662" r:id="rId2"/>
-    <p:sldLayoutId id="2147483663" r:id="rId3"/>
-    <p:sldLayoutId id="2147483664" r:id="rId4"/>
-    <p:sldLayoutId id="2147483665" r:id="rId5"/>
-    <p:sldLayoutId id="2147483666" r:id="rId6"/>
-    <p:sldLayoutId id="2147483667" r:id="rId7"/>
-    <p:sldLayoutId id="2147483668" r:id="rId8"/>
-    <p:sldLayoutId id="2147483669" r:id="rId9"/>
-    <p:sldLayoutId id="2147483670" r:id="rId10"/>
-    <p:sldLayoutId id="2147483671" r:id="rId11"/>
-  </p:sldLayoutIdLst>
-  <p:hf sldNum="0" hdr="0"/>
-  <p:txStyles>
-    <p:titleStyle>
-      <a:lvl1pPr algn="l" defTabSz="914400" rtl="0" eaLnBrk="1" latinLnBrk="0" hangingPunct="1">
-        <a:lnSpc>
-          <a:spcPct val="90000"/>
-        </a:lnSpc>
-        <a:spcBef>
-          <a:spcPct val="0"/>
-        </a:spcBef>
-        <a:buNone/>
-        <a:defRPr sz="4400" kern="1200">
-          <a:solidFill>
-            <a:schemeClr val="tx1"/>
-          </a:solidFill>
-          <a:latin typeface="+mj-lt"/>
-          <a:ea typeface="+mj-ea"/>
-          <a:cs typeface="+mj-cs"/>
-        </a:defRPr>
-      </a:lvl1pPr>
-    </p:titleStyle>
-    <p:bodyStyle>
-      <a:lvl1pPr marL="228600" indent="-228600" algn="l" defTabSz="914400" rtl="0" eaLnBrk="1" latinLnBrk="0" hangingPunct="1">
-        <a:lnSpc>
-          <a:spcPct val="90000"/>
-        </a:lnSpc>
-        <a:spcBef>
-          <a:spcPts val="1000"/>
-        </a:spcBef>
-        <a:buFont typeface="Arial" panose="020B0604020202020204" pitchFamily="34" charset="0"/>
-        <a:buChar char="•"/>
-        <a:defRPr sz="2800" kern="1200">
-          <a:solidFill>
-            <a:schemeClr val="tx1"/>
-          </a:solidFill>
-          <a:latin typeface="+mn-lt"/>
-          <a:ea typeface="+mn-ea"/>
-          <a:cs typeface="+mn-cs"/>
-        </a:defRPr>
-      </a:lvl1pPr>
-      <a:lvl2pPr marL="685800" indent="-228600" algn="l" defTabSz="914400" rtl="0" eaLnBrk="1" latinLnBrk="0" hangingPunct="1">
-        <a:lnSpc>
-          <a:spcPct val="90000"/>
-        </a:lnSpc>
-        <a:spcBef>
-          <a:spcPts val="500"/>
-        </a:spcBef>
-        <a:buFont typeface="Arial" panose="020B0604020202020204" pitchFamily="34" charset="0"/>
-        <a:buChar char="•"/>
-        <a:defRPr sz="2400" kern="1200">
-          <a:solidFill>
-            <a:schemeClr val="tx1"/>
-          </a:solidFill>
-          <a:latin typeface="+mn-lt"/>
-          <a:ea typeface="+mn-ea"/>
-          <a:cs typeface="+mn-cs"/>
-        </a:defRPr>
-      </a:lvl2pPr>
-      <a:lvl3pPr marL="1143000" indent="-228600" algn="l" defTabSz="914400" rtl="0" eaLnBrk="1" latinLnBrk="0" hangingPunct="1">
-        <a:lnSpc>
-          <a:spcPct val="90000"/>
-        </a:lnSpc>
-        <a:spcBef>
-          <a:spcPts val="500"/>
-        </a:spcBef>
-        <a:buFont typeface="Arial" panose="020B0604020202020204" pitchFamily="34" charset="0"/>
-        <a:buChar char="•"/>
-        <a:defRPr sz="2000" kern="1200">
-          <a:solidFill>
-            <a:schemeClr val="tx1"/>
-          </a:solidFill>
-          <a:latin typeface="+mn-lt"/>
-          <a:ea typeface="+mn-ea"/>
-          <a:cs typeface="+mn-cs"/>
-        </a:defRPr>
-      </a:lvl3pPr>
-      <a:lvl4pPr marL="1600200" indent="-228600" algn="l" defTabSz="914400" rtl="0" eaLnBrk="1" latinLnBrk="0" hangingPunct="1">
-        <a:lnSpc>
-          <a:spcPct val="90000"/>
-        </a:lnSpc>
-        <a:spcBef>
-          <a:spcPts val="500"/>
-        </a:spcBef>
-        <a:buFont typeface="Arial" panose="020B0604020202020204" pitchFamily="34" charset="0"/>
-        <a:buChar char="•"/>
-        <a:defRPr sz="1800" kern="1200">
-          <a:solidFill>
-            <a:schemeClr val="tx1"/>
-          </a:solidFill>
-          <a:latin typeface="+mn-lt"/>
-          <a:ea typeface="+mn-ea"/>
-          <a:cs typeface="+mn-cs"/>
-        </a:defRPr>
-      </a:lvl4pPr>
-      <a:lvl5pPr marL="2057400" indent="-228600" algn="l" defTabSz="914400" rtl="0" eaLnBrk="1" latinLnBrk="0" hangingPunct="1">
-        <a:lnSpc>
-          <a:spcPct val="90000"/>
-        </a:lnSpc>
-        <a:spcBef>
-          <a:spcPts val="500"/>
-        </a:spcBef>
-        <a:buFont typeface="Arial" panose="020B0604020202020204" pitchFamily="34" charset="0"/>
-        <a:buChar char="•"/>
-        <a:defRPr sz="1800" kern="1200">
-          <a:solidFill>
-            <a:schemeClr val="tx1"/>
-          </a:solidFill>
-          <a:latin typeface="+mn-lt"/>
-          <a:ea typeface="+mn-ea"/>
-          <a:cs typeface="+mn-cs"/>
-        </a:defRPr>
-      </a:lvl5pPr>
-      <a:lvl6pPr marL="2514600" indent="-228600" algn="l" defTabSz="914400" rtl="0" eaLnBrk="1" latinLnBrk="0" hangingPunct="1">
-        <a:lnSpc>
-          <a:spcPct val="90000"/>
-        </a:lnSpc>
-        <a:spcBef>
-          <a:spcPts val="500"/>
-        </a:spcBef>
-        <a:buFont typeface="Arial" panose="020B0604020202020204" pitchFamily="34" charset="0"/>
-        <a:buChar char="•"/>
-        <a:defRPr sz="1800" kern="1200">
-          <a:solidFill>
-            <a:schemeClr val="tx1"/>
-          </a:solidFill>
-          <a:latin typeface="+mn-lt"/>
-          <a:ea typeface="+mn-ea"/>
-          <a:cs typeface="+mn-cs"/>
-        </a:defRPr>
-      </a:lvl6pPr>
-      <a:lvl7pPr marL="2971800" indent="-228600" algn="l" defTabSz="914400" rtl="0" eaLnBrk="1" latinLnBrk="0" hangingPunct="1">
-        <a:lnSpc>
-          <a:spcPct val="90000"/>
-        </a:lnSpc>
-        <a:spcBef>
-          <a:spcPts val="500"/>
-        </a:spcBef>
-        <a:buFont typeface="Arial" panose="020B0604020202020204" pitchFamily="34" charset="0"/>
-        <a:buChar char="•"/>
-        <a:defRPr sz="1800" kern="1200">
-          <a:solidFill>
-            <a:schemeClr val="tx1"/>
-          </a:solidFill>
-          <a:latin typeface="+mn-lt"/>
-          <a:ea typeface="+mn-ea"/>
-          <a:cs typeface="+mn-cs"/>
-        </a:defRPr>
-      </a:lvl7pPr>
-      <a:lvl8pPr marL="3429000" indent="-228600" algn="l" defTabSz="914400" rtl="0" eaLnBrk="1" latinLnBrk="0" hangingPunct="1">
-        <a:lnSpc>
-          <a:spcPct val="90000"/>
-        </a:lnSpc>
-        <a:spcBef>
-          <a:spcPts val="500"/>
-        </a:spcBef>
-        <a:buFont typeface="Arial" panose="020B0604020202020204" pitchFamily="34" charset="0"/>
-        <a:buChar char="•"/>
-        <a:defRPr sz="1800" kern="1200">
-          <a:solidFill>
-            <a:schemeClr val="tx1"/>
-          </a:solidFill>
-          <a:latin typeface="+mn-lt"/>
-          <a:ea typeface="+mn-ea"/>
-          <a:cs typeface="+mn-cs"/>
-        </a:defRPr>
-      </a:lvl8pPr>
-      <a:lvl9pPr marL="3886200" indent="-228600" algn="l" defTabSz="914400" rtl="0" eaLnBrk="1" latinLnBrk="0" hangingPunct="1">
-        <a:lnSpc>
-          <a:spcPct val="90000"/>
-        </a:lnSpc>
-        <a:spcBef>
-          <a:spcPts val="500"/>
-        </a:spcBef>
-        <a:buFont typeface="Arial" panose="020B0604020202020204" pitchFamily="34" charset="0"/>
-        <a:buChar char="•"/>
-        <a:defRPr sz="1800" kern="1200">
-          <a:solidFill>
-            <a:schemeClr val="tx1"/>
-          </a:solidFill>
-          <a:latin typeface="+mn-lt"/>
-          <a:ea typeface="+mn-ea"/>
-          <a:cs typeface="+mn-cs"/>
-        </a:defRPr>
-      </a:lvl9pPr>
-    </p:bodyStyle>
-    <p:otherStyle>
-      <a:defPPr>
-        <a:defRPr lang="zh-CN"/>
-      </a:defPPr>
-      <a:lvl1pPr marL="0" algn="l" defTabSz="914400" rtl="0" eaLnBrk="1" latinLnBrk="0" hangingPunct="1">
-        <a:defRPr sz="1800" kern="1200">
-          <a:solidFill>
-            <a:schemeClr val="tx1"/>
-          </a:solidFill>
-          <a:latin typeface="+mn-lt"/>
-          <a:ea typeface="+mn-ea"/>
-          <a:cs typeface="+mn-cs"/>
-        </a:defRPr>
-      </a:lvl1pPr>
-      <a:lvl2pPr marL="457200" algn="l" defTabSz="914400" rtl="0" eaLnBrk="1" latinLnBrk="0" hangingPunct="1">
-        <a:defRPr sz="1800" kern="1200">
-          <a:solidFill>
-            <a:schemeClr val="tx1"/>
-          </a:solidFill>
-          <a:latin typeface="+mn-lt"/>
-          <a:ea typeface="+mn-ea"/>
-          <a:cs typeface="+mn-cs"/>
-        </a:defRPr>
-      </a:lvl2pPr>
-      <a:lvl3pPr marL="914400" algn="l" defTabSz="914400" rtl="0" eaLnBrk="1" latinLnBrk="0" hangingPunct="1">
-        <a:defRPr sz="1800" kern="1200">
-          <a:solidFill>
-            <a:schemeClr val="tx1"/>
-          </a:solidFill>
-          <a:latin typeface="+mn-lt"/>
-          <a:ea typeface="+mn-ea"/>
-          <a:cs typeface="+mn-cs"/>
-        </a:defRPr>
-      </a:lvl3pPr>
-      <a:lvl4pPr marL="1371600" algn="l" defTabSz="914400" rtl="0" eaLnBrk="1" latinLnBrk="0" hangingPunct="1">
-        <a:defRPr sz="1800" kern="1200">
-          <a:solidFill>
-            <a:schemeClr val="tx1"/>
-          </a:solidFill>
-          <a:latin typeface="+mn-lt"/>
-          <a:ea typeface="+mn-ea"/>
-          <a:cs typeface="+mn-cs"/>
-        </a:defRPr>
-      </a:lvl4pPr>
-      <a:lvl5pPr marL="1828800" algn="l" defTabSz="914400" rtl="0" eaLnBrk="1" latinLnBrk="0" hangingPunct="1">
-        <a:defRPr sz="1800" kern="1200">
-          <a:solidFill>
-            <a:schemeClr val="tx1"/>
-          </a:solidFill>
-          <a:latin typeface="+mn-lt"/>
-          <a:ea typeface="+mn-ea"/>
-          <a:cs typeface="+mn-cs"/>
-        </a:defRPr>
-      </a:lvl5pPr>
-      <a:lvl6pPr marL="2286000" algn="l" defTabSz="914400" rtl="0" eaLnBrk="1" latinLnBrk="0" hangingPunct="1">
-        <a:defRPr sz="1800" kern="1200">
-          <a:solidFill>
-            <a:schemeClr val="tx1"/>
-          </a:solidFill>
-          <a:latin typeface="+mn-lt"/>
-          <a:ea typeface="+mn-ea"/>
-          <a:cs typeface="+mn-cs"/>
-        </a:defRPr>
-      </a:lvl6pPr>
-      <a:lvl7pPr marL="2743200" algn="l" defTabSz="914400" rtl="0" eaLnBrk="1" latinLnBrk="0" hangingPunct="1">
-        <a:defRPr sz="1800" kern="1200">
-          <a:solidFill>
-            <a:schemeClr val="tx1"/>
-          </a:solidFill>
-          <a:latin typeface="+mn-lt"/>
-          <a:ea typeface="+mn-ea"/>
-          <a:cs typeface="+mn-cs"/>
-        </a:defRPr>
-      </a:lvl7pPr>
-      <a:lvl8pPr marL="3200400" algn="l" defTabSz="914400" rtl="0" eaLnBrk="1" latinLnBrk="0" hangingPunct="1">
-        <a:defRPr sz="1800" kern="1200">
-          <a:solidFill>
-            <a:schemeClr val="tx1"/>
-          </a:solidFill>
-          <a:latin typeface="+mn-lt"/>
-          <a:ea typeface="+mn-ea"/>
-          <a:cs typeface="+mn-cs"/>
-        </a:defRPr>
-      </a:lvl8pPr>
-      <a:lvl9pPr marL="3657600" algn="l" defTabSz="914400" rtl="0" eaLnBrk="1" latinLnBrk="0" hangingPunct="1">
-        <a:defRPr sz="1800" kern="1200">
-          <a:solidFill>
-            <a:schemeClr val="tx1"/>
-          </a:solidFill>
-          <a:latin typeface="+mn-lt"/>
-          <a:ea typeface="+mn-ea"/>
-          <a:cs typeface="+mn-cs"/>
-        </a:defRPr>
-      </a:lvl9pPr>
-    </p:otherStyle>
-  </p:txStyles>
-</p:sldMaster>
-</file>
-
 <file path=ppt/slides/slide1.xml><?xml version="1.0" encoding="utf-8"?>
-<p:sld xmlns:a="http://schemas.openxmlformats.org/drawingml/2006/main" xmlns:r="http://schemas.openxmlformats.org/officeDocument/2006/relationships" xmlns:p="http://schemas.openxmlformats.org/presentationml/2006/main">
-  <p:cSld>
-    <p:spTree>
-      <p:nvGrpSpPr>
-        <p:cNvPr id="1" name=""/>
-        <p:cNvGrpSpPr/>
-        <p:nvPr/>
-      </p:nvGrpSpPr>
-      <p:grpSpPr/>
-      <p:sp>
-        <p:nvSpPr>
-          <p:cNvPr id="5" name="矩形 4"/>
-          <p:cNvSpPr/>
-          <p:nvPr/>
-        </p:nvSpPr>
-        <p:spPr>
-          <a:xfrm>
-            <a:off x="0" y="6537325"/>
-            <a:ext cx="12200890" cy="349250"/>
-          </a:xfrm>
-          <a:prstGeom prst="rect">
-            <a:avLst/>
-          </a:prstGeom>
-          <a:solidFill>
-            <a:srgbClr val="B27FD9"/>
-          </a:solidFill>
-          <a:ln>
-            <a:solidFill>
-              <a:schemeClr val="accent1">
-                <a:lumMod val="40000"/>
-                <a:lumOff val="60000"/>
-              </a:schemeClr>
-            </a:solidFill>
-          </a:ln>
-        </p:spPr>
-        <p:style>
-          <a:lnRef idx="2">
-            <a:schemeClr val="accent1">
-              <a:lumMod val="75000"/>
-            </a:schemeClr>
-          </a:lnRef>
-          <a:fillRef idx="1">
-            <a:schemeClr val="accent1"/>
-          </a:fillRef>
-          <a:effectRef idx="0">
-            <a:srgbClr val="FFFFFF"/>
-          </a:effectRef>
-          <a:fontRef idx="minor">
-            <a:schemeClr val="lt1"/>
-          </a:fontRef>
-        </p:style>
-        <p:txBody>
-          <a:bodyPr rtlCol="0" anchor="ctr"/>
-          <a:p>
-            <a:pPr algn="ctr"/>
-            <a:endParaRPr lang="zh-CN" altLang="en-US"/>
-          </a:p>
-        </p:txBody>
-      </p:sp>
-      <p:sp>
-        <p:nvSpPr>
-          <p:cNvPr id="7" name="文本框 6"/>
-          <p:cNvSpPr txBox="1"/>
-          <p:nvPr/>
-        </p:nvSpPr>
-        <p:spPr>
-          <a:xfrm>
-            <a:off x="0" y="6537325"/>
-            <a:ext cx="3028950" cy="349250"/>
-          </a:xfrm>
-          <a:prstGeom prst="rect">
-            <a:avLst/>
-          </a:prstGeom>
-          <a:noFill/>
-        </p:spPr>
-        <p:txBody>
-          <a:bodyPr wrap="square" rtlCol="0">
-            <a:noAutofit/>
-          </a:bodyPr>
-          <a:p>
-            <a:pPr algn="ctr"/>
-            <a:r>
-              <a:rPr lang="en-US" altLang="zh-CN">
-                <a:solidFill>
-                  <a:schemeClr val="bg1"/>
-                </a:solidFill>
-                <a:latin typeface="Times New Roman" panose="02020603050405020304" charset="0"/>
-                <a:cs typeface="Times New Roman" panose="02020603050405020304" charset="0"/>
-              </a:rPr>
-              <a:t>ML-Excited States</a:t>
-            </a:r>
-            <a:endParaRPr lang="en-US" altLang="zh-CN">
-              <a:solidFill>
-                <a:schemeClr val="bg1"/>
-              </a:solidFill>
-              <a:latin typeface="Times New Roman" panose="02020603050405020304" charset="0"/>
-              <a:cs typeface="Times New Roman" panose="02020603050405020304" charset="0"/>
-            </a:endParaRPr>
-          </a:p>
-        </p:txBody>
-      </p:sp>
-      <p:sp>
-        <p:nvSpPr>
-          <p:cNvPr id="10" name="日期占位符 9"/>
-          <p:cNvSpPr>
-            <a:spLocks noGrp="1"/>
-          </p:cNvSpPr>
-          <p:nvPr>
-            <p:ph type="dt" sz="half" idx="10"/>
-          </p:nvPr>
-        </p:nvSpPr>
-        <p:spPr>
-          <a:xfrm>
-            <a:off x="10585450" y="6537325"/>
-            <a:ext cx="1615440" cy="349250"/>
-          </a:xfrm>
-        </p:spPr>
-        <p:txBody>
-          <a:bodyPr/>
-          <a:p>
-            <a:fld id="{D997B5FA-0921-464F-AAE1-844C04324D75}" type="datetime1">
-              <a:rPr lang="en-US" altLang="en-US" sz="1600" smtClean="0">
-                <a:solidFill>
-                  <a:schemeClr val="bg1"/>
-                </a:solidFill>
-                <a:latin typeface="Times New Roman" panose="02020603050405020304" charset="0"/>
-                <a:cs typeface="Times New Roman" panose="02020603050405020304" charset="0"/>
-              </a:rPr>
-            </a:fld>
-            <a:endParaRPr lang="en-US" altLang="en-US" sz="1600" smtClean="0">
-              <a:solidFill>
-                <a:schemeClr val="bg1"/>
-              </a:solidFill>
-              <a:latin typeface="Times New Roman" panose="02020603050405020304" charset="0"/>
-              <a:cs typeface="Times New Roman" panose="02020603050405020304" charset="0"/>
-            </a:endParaRPr>
-          </a:p>
-        </p:txBody>
-      </p:sp>
-      <p:sp>
-        <p:nvSpPr>
-          <p:cNvPr id="11" name="页脚占位符 10"/>
-          <p:cNvSpPr>
-            <a:spLocks noGrp="1"/>
-          </p:cNvSpPr>
-          <p:nvPr>
-            <p:ph type="ftr" sz="quarter" idx="11"/>
-          </p:nvPr>
-        </p:nvSpPr>
-        <p:spPr>
-          <a:xfrm>
-            <a:off x="4043045" y="6537325"/>
-            <a:ext cx="4119880" cy="349250"/>
-          </a:xfrm>
-        </p:spPr>
-        <p:txBody>
-          <a:bodyPr/>
-          <a:p>
-            <a:r>
-              <a:rPr lang="zh-CN" altLang="en-US" sz="1600">
-                <a:solidFill>
-                  <a:schemeClr val="bg1"/>
-                </a:solidFill>
-                <a:latin typeface="Times New Roman" panose="02020603050405020304" charset="0"/>
-                <a:cs typeface="Times New Roman" panose="02020603050405020304" charset="0"/>
-              </a:rPr>
-              <a:t>CCATS Group(Brandeis)</a:t>
-            </a:r>
-            <a:endParaRPr lang="zh-CN" altLang="en-US" sz="1600">
-              <a:solidFill>
-                <a:schemeClr val="bg1"/>
-              </a:solidFill>
-              <a:latin typeface="Times New Roman" panose="02020603050405020304" charset="0"/>
-              <a:cs typeface="Times New Roman" panose="02020603050405020304" charset="0"/>
-            </a:endParaRPr>
-          </a:p>
-        </p:txBody>
-      </p:sp>
-      <p:sp>
-        <p:nvSpPr>
-          <p:cNvPr id="15" name="文本框 14"/>
-          <p:cNvSpPr txBox="1"/>
-          <p:nvPr>
-            <p:custDataLst>
-              <p:tags r:id="rId1"/>
-            </p:custDataLst>
-          </p:nvPr>
-        </p:nvSpPr>
-        <p:spPr>
-          <a:xfrm>
-            <a:off x="0" y="31750"/>
-            <a:ext cx="12207240" cy="587375"/>
-          </a:xfrm>
-          <a:prstGeom prst="rect">
-            <a:avLst/>
-          </a:prstGeom>
-          <a:noFill/>
-        </p:spPr>
-        <p:txBody>
-          <a:bodyPr wrap="square" rtlCol="0">
-            <a:noAutofit/>
-          </a:bodyPr>
-          <a:p>
-            <a:pPr algn="ctr"/>
-            <a:r>
-              <a:rPr lang="en-US" altLang="zh-CN" sz="2800" b="1">
-                <a:solidFill>
-                  <a:schemeClr val="accent1">
-                    <a:lumMod val="75000"/>
-                  </a:schemeClr>
-                </a:solidFill>
-                <a:latin typeface="Times New Roman" panose="02020603050405020304" charset="0"/>
-                <a:cs typeface="Times New Roman" panose="02020603050405020304" charset="0"/>
-              </a:rPr>
-              <a:t>Introduction: AIMD</a:t>
-            </a:r>
-            <a:endParaRPr lang="en-US" altLang="zh-CN" sz="2800" b="1">
-              <a:solidFill>
-                <a:schemeClr val="accent1">
-                  <a:lumMod val="75000"/>
-                </a:schemeClr>
-              </a:solidFill>
-              <a:latin typeface="Times New Roman" panose="02020603050405020304" charset="0"/>
-              <a:cs typeface="Times New Roman" panose="02020603050405020304" charset="0"/>
-            </a:endParaRPr>
-          </a:p>
-        </p:txBody>
-      </p:sp>
-      <p:cxnSp>
-        <p:nvCxnSpPr>
-          <p:cNvPr id="16" name="直接连接符 15"/>
-          <p:cNvCxnSpPr/>
-          <p:nvPr>
-            <p:custDataLst>
-              <p:tags r:id="rId2"/>
-            </p:custDataLst>
-          </p:nvPr>
-        </p:nvCxnSpPr>
-        <p:spPr>
-          <a:xfrm flipV="1">
-            <a:off x="-6350" y="563245"/>
-            <a:ext cx="12192000" cy="30480"/>
-          </a:xfrm>
-          <a:prstGeom prst="line">
-            <a:avLst/>
-          </a:prstGeom>
-          <a:ln w="50800">
-            <a:solidFill>
-              <a:schemeClr val="accent1">
-                <a:lumMod val="60000"/>
-                <a:lumOff val="40000"/>
-              </a:schemeClr>
-            </a:solidFill>
-          </a:ln>
-        </p:spPr>
-        <p:style>
-          <a:lnRef idx="2">
-            <a:schemeClr val="accent1"/>
-          </a:lnRef>
-          <a:fillRef idx="0">
-            <a:srgbClr val="FFFFFF"/>
-          </a:fillRef>
-          <a:effectRef idx="0">
-            <a:srgbClr val="FFFFFF"/>
-          </a:effectRef>
-          <a:fontRef idx="minor">
-            <a:schemeClr val="tx1"/>
-          </a:fontRef>
-        </p:style>
-      </p:cxnSp>
-    </p:spTree>
-  </p:cSld>
-  <p:clrMapOvr>
-    <a:masterClrMapping/>
-  </p:clrMapOvr>
-</p:sld>
-</file>
-
-<file path=ppt/slides/slide2.xml><?xml version="1.0" encoding="utf-8"?>
-<p:sld xmlns:a="http://schemas.openxmlformats.org/drawingml/2006/main" xmlns:r="http://schemas.openxmlformats.org/officeDocument/2006/relationships" xmlns:p="http://schemas.openxmlformats.org/presentationml/2006/main">
-  <p:cSld>
-    <p:spTree>
-      <p:nvGrpSpPr>
-        <p:cNvPr id="1" name=""/>
-        <p:cNvGrpSpPr/>
-        <p:nvPr/>
-      </p:nvGrpSpPr>
-      <p:grpSpPr/>
-      <p:sp>
-        <p:nvSpPr>
-          <p:cNvPr id="5" name="矩形 4"/>
-          <p:cNvSpPr/>
-          <p:nvPr/>
-        </p:nvSpPr>
-        <p:spPr>
-          <a:xfrm>
-            <a:off x="0" y="6537325"/>
-            <a:ext cx="12200890" cy="349250"/>
-          </a:xfrm>
-          <a:prstGeom prst="rect">
-            <a:avLst/>
-          </a:prstGeom>
-          <a:solidFill>
-            <a:srgbClr val="B27FD9"/>
-          </a:solidFill>
-          <a:ln>
-            <a:solidFill>
-              <a:schemeClr val="accent1">
-                <a:lumMod val="40000"/>
-                <a:lumOff val="60000"/>
-              </a:schemeClr>
-            </a:solidFill>
-          </a:ln>
-        </p:spPr>
-        <p:style>
-          <a:lnRef idx="2">
-            <a:schemeClr val="accent1">
-              <a:lumMod val="75000"/>
-            </a:schemeClr>
-          </a:lnRef>
-          <a:fillRef idx="1">
-            <a:schemeClr val="accent1"/>
-          </a:fillRef>
-          <a:effectRef idx="0">
-            <a:srgbClr val="FFFFFF"/>
-          </a:effectRef>
-          <a:fontRef idx="minor">
-            <a:schemeClr val="lt1"/>
-          </a:fontRef>
-        </p:style>
-        <p:txBody>
-          <a:bodyPr rtlCol="0" anchor="ctr"/>
-          <a:p>
-            <a:pPr algn="ctr"/>
-            <a:endParaRPr lang="zh-CN" altLang="en-US"/>
-          </a:p>
-        </p:txBody>
-      </p:sp>
-      <p:sp>
-        <p:nvSpPr>
-          <p:cNvPr id="7" name="文本框 6"/>
-          <p:cNvSpPr txBox="1"/>
-          <p:nvPr/>
-        </p:nvSpPr>
-        <p:spPr>
-          <a:xfrm>
-            <a:off x="0" y="6537325"/>
-            <a:ext cx="3028950" cy="349250"/>
-          </a:xfrm>
-          <a:prstGeom prst="rect">
-            <a:avLst/>
-          </a:prstGeom>
-          <a:noFill/>
-        </p:spPr>
-        <p:txBody>
-          <a:bodyPr wrap="square" rtlCol="0">
-            <a:noAutofit/>
-          </a:bodyPr>
-          <a:p>
-            <a:pPr algn="ctr"/>
-            <a:r>
-              <a:rPr lang="en-US" altLang="zh-CN">
-                <a:solidFill>
-                  <a:schemeClr val="bg1"/>
-                </a:solidFill>
-                <a:latin typeface="Times New Roman" panose="02020603050405020304" charset="0"/>
-                <a:cs typeface="Times New Roman" panose="02020603050405020304" charset="0"/>
-              </a:rPr>
-              <a:t>ML-Excited States</a:t>
-            </a:r>
-            <a:endParaRPr lang="en-US" altLang="zh-CN">
-              <a:solidFill>
-                <a:schemeClr val="bg1"/>
-              </a:solidFill>
-              <a:latin typeface="Times New Roman" panose="02020603050405020304" charset="0"/>
-              <a:cs typeface="Times New Roman" panose="02020603050405020304" charset="0"/>
-            </a:endParaRPr>
-          </a:p>
-        </p:txBody>
-      </p:sp>
-      <p:sp>
-        <p:nvSpPr>
-          <p:cNvPr id="10" name="日期占位符 9"/>
-          <p:cNvSpPr>
-            <a:spLocks noGrp="1"/>
-          </p:cNvSpPr>
-          <p:nvPr>
-            <p:ph type="dt" sz="half" idx="10"/>
-          </p:nvPr>
-        </p:nvSpPr>
-        <p:spPr>
-          <a:xfrm>
-            <a:off x="10585450" y="6537325"/>
-            <a:ext cx="1615440" cy="349250"/>
-          </a:xfrm>
-        </p:spPr>
-        <p:txBody>
-          <a:bodyPr/>
-          <a:p>
-            <a:fld id="{D997B5FA-0921-464F-AAE1-844C04324D75}" type="datetime1">
-              <a:rPr lang="en-US" altLang="en-US" sz="1600" smtClean="0">
-                <a:solidFill>
-                  <a:schemeClr val="bg1"/>
-                </a:solidFill>
-                <a:latin typeface="Times New Roman" panose="02020603050405020304" charset="0"/>
-                <a:cs typeface="Times New Roman" panose="02020603050405020304" charset="0"/>
-              </a:rPr>
-            </a:fld>
-            <a:endParaRPr lang="en-US" altLang="en-US" sz="1600" smtClean="0">
-              <a:solidFill>
-                <a:schemeClr val="bg1"/>
-              </a:solidFill>
-              <a:latin typeface="Times New Roman" panose="02020603050405020304" charset="0"/>
-              <a:cs typeface="Times New Roman" panose="02020603050405020304" charset="0"/>
-            </a:endParaRPr>
-          </a:p>
-        </p:txBody>
-      </p:sp>
-      <p:sp>
-        <p:nvSpPr>
-          <p:cNvPr id="11" name="页脚占位符 10"/>
-          <p:cNvSpPr>
-            <a:spLocks noGrp="1"/>
-          </p:cNvSpPr>
-          <p:nvPr>
-            <p:ph type="ftr" sz="quarter" idx="11"/>
-          </p:nvPr>
-        </p:nvSpPr>
-        <p:spPr>
-          <a:xfrm>
-            <a:off x="4043045" y="6537325"/>
-            <a:ext cx="4119880" cy="349250"/>
-          </a:xfrm>
-        </p:spPr>
-        <p:txBody>
-          <a:bodyPr/>
-          <a:p>
-            <a:r>
-              <a:rPr lang="zh-CN" altLang="en-US" sz="1600">
-                <a:solidFill>
-                  <a:schemeClr val="bg1"/>
-                </a:solidFill>
-                <a:latin typeface="Times New Roman" panose="02020603050405020304" charset="0"/>
-                <a:cs typeface="Times New Roman" panose="02020603050405020304" charset="0"/>
-              </a:rPr>
-              <a:t>CCATS Group(Brandeis)</a:t>
-            </a:r>
-            <a:endParaRPr lang="zh-CN" altLang="en-US" sz="1600">
-              <a:solidFill>
-                <a:schemeClr val="bg1"/>
-              </a:solidFill>
-              <a:latin typeface="Times New Roman" panose="02020603050405020304" charset="0"/>
-              <a:cs typeface="Times New Roman" panose="02020603050405020304" charset="0"/>
-            </a:endParaRPr>
-          </a:p>
-        </p:txBody>
-      </p:sp>
-      <p:sp>
-        <p:nvSpPr>
-          <p:cNvPr id="15" name="文本框 14"/>
-          <p:cNvSpPr txBox="1"/>
-          <p:nvPr>
-            <p:custDataLst>
-              <p:tags r:id="rId1"/>
-            </p:custDataLst>
-          </p:nvPr>
-        </p:nvSpPr>
-        <p:spPr>
-          <a:xfrm>
-            <a:off x="0" y="31750"/>
-            <a:ext cx="12207240" cy="587375"/>
-          </a:xfrm>
-          <a:prstGeom prst="rect">
-            <a:avLst/>
-          </a:prstGeom>
-          <a:noFill/>
-        </p:spPr>
-        <p:txBody>
-          <a:bodyPr wrap="square" rtlCol="0">
-            <a:noAutofit/>
-          </a:bodyPr>
-          <a:p>
-            <a:pPr algn="ctr"/>
-            <a:r>
-              <a:rPr lang="en-US" altLang="zh-CN" sz="2800" b="1">
-                <a:solidFill>
-                  <a:schemeClr val="accent1">
-                    <a:lumMod val="75000"/>
-                  </a:schemeClr>
-                </a:solidFill>
-                <a:latin typeface="Times New Roman" panose="02020603050405020304" charset="0"/>
-                <a:cs typeface="Times New Roman" panose="02020603050405020304" charset="0"/>
-              </a:rPr>
-              <a:t>Machine Learning Potential Models</a:t>
-            </a:r>
-            <a:endParaRPr lang="en-US" altLang="zh-CN" sz="2800" b="1">
-              <a:solidFill>
-                <a:schemeClr val="accent1">
-                  <a:lumMod val="75000"/>
-                </a:schemeClr>
-              </a:solidFill>
-              <a:latin typeface="Times New Roman" panose="02020603050405020304" charset="0"/>
-              <a:cs typeface="Times New Roman" panose="02020603050405020304" charset="0"/>
-            </a:endParaRPr>
-          </a:p>
-        </p:txBody>
-      </p:sp>
-      <p:cxnSp>
-        <p:nvCxnSpPr>
-          <p:cNvPr id="16" name="直接连接符 15"/>
-          <p:cNvCxnSpPr/>
-          <p:nvPr>
-            <p:custDataLst>
-              <p:tags r:id="rId2"/>
-            </p:custDataLst>
-          </p:nvPr>
-        </p:nvCxnSpPr>
-        <p:spPr>
-          <a:xfrm flipV="1">
-            <a:off x="-6350" y="563245"/>
-            <a:ext cx="12192000" cy="30480"/>
-          </a:xfrm>
-          <a:prstGeom prst="line">
-            <a:avLst/>
-          </a:prstGeom>
-          <a:ln w="50800">
-            <a:solidFill>
-              <a:schemeClr val="accent1">
-                <a:lumMod val="60000"/>
-                <a:lumOff val="40000"/>
-              </a:schemeClr>
-            </a:solidFill>
-          </a:ln>
-        </p:spPr>
-        <p:style>
-          <a:lnRef idx="2">
-            <a:schemeClr val="accent1"/>
-          </a:lnRef>
-          <a:fillRef idx="0">
-            <a:srgbClr val="FFFFFF"/>
-          </a:fillRef>
-          <a:effectRef idx="0">
-            <a:srgbClr val="FFFFFF"/>
-          </a:effectRef>
-          <a:fontRef idx="minor">
-            <a:schemeClr val="tx1"/>
-          </a:fontRef>
-        </p:style>
-      </p:cxnSp>
-      <p:sp>
-        <p:nvSpPr>
-          <p:cNvPr id="9" name="文本框 8"/>
-          <p:cNvSpPr txBox="1"/>
-          <p:nvPr>
-            <p:custDataLst>
-              <p:tags r:id="rId3"/>
-            </p:custDataLst>
-          </p:nvPr>
-        </p:nvSpPr>
-        <p:spPr>
-          <a:xfrm>
-            <a:off x="0" y="6159500"/>
-            <a:ext cx="12217400" cy="377825"/>
-          </a:xfrm>
-          <a:prstGeom prst="rect">
-            <a:avLst/>
-          </a:prstGeom>
-          <a:noFill/>
-        </p:spPr>
-        <p:txBody>
-          <a:bodyPr wrap="square" rtlCol="0" anchor="t">
-            <a:noAutofit/>
-          </a:bodyPr>
-          <a:p>
-            <a:pPr algn="l"/>
-            <a:r>
-              <a:rPr lang="zh-CN" altLang="en-US">
-                <a:latin typeface="Times New Roman" panose="02020603050405020304" charset="0"/>
-                <a:cs typeface="Times New Roman" panose="02020603050405020304" charset="0"/>
-              </a:rPr>
-              <a:t>arXiv:2202.02541 [cs.LG]</a:t>
-            </a:r>
-            <a:r>
-              <a:rPr lang="en-US" altLang="zh-CN">
-                <a:latin typeface="Times New Roman" panose="02020603050405020304" charset="0"/>
-                <a:cs typeface="Times New Roman" panose="02020603050405020304" charset="0"/>
-              </a:rPr>
-              <a:t>, https://doi.org/10.48550/arXiv.2202.02541</a:t>
-            </a:r>
-            <a:endParaRPr lang="en-US" altLang="zh-CN">
-              <a:latin typeface="Times New Roman" panose="02020603050405020304" charset="0"/>
-              <a:cs typeface="Times New Roman" panose="02020603050405020304" charset="0"/>
-            </a:endParaRPr>
-          </a:p>
-        </p:txBody>
-      </p:sp>
-    </p:spTree>
-  </p:cSld>
-  <p:clrMapOvr>
-    <a:masterClrMapping/>
-  </p:clrMapOvr>
-</p:sld>
-</file>
-
-<file path=ppt/slides/slide3.xml><?xml version="1.0" encoding="utf-8"?>
 <p:sld xmlns:a="http://schemas.openxmlformats.org/drawingml/2006/main" xmlns:r="http://schemas.openxmlformats.org/officeDocument/2006/relationships" xmlns:p="http://schemas.openxmlformats.org/presentationml/2006/main">
   <p:cSld>
     <p:spTree>
@@ -7456,7 +4039,7 @@
 </p:sld>
 </file>
 
-<file path=ppt/slides/slide4.xml><?xml version="1.0" encoding="utf-8"?>
+<file path=ppt/slides/slide2.xml><?xml version="1.0" encoding="utf-8"?>
 <p:sld xmlns:a="http://schemas.openxmlformats.org/drawingml/2006/main" xmlns:r="http://schemas.openxmlformats.org/officeDocument/2006/relationships" xmlns:p="http://schemas.openxmlformats.org/presentationml/2006/main">
   <p:cSld>
     <p:spTree>
@@ -8104,7 +4687,7 @@
 </p:sld>
 </file>
 
-<file path=ppt/slides/slide5.xml><?xml version="1.0" encoding="utf-8"?>
+<file path=ppt/slides/slide3.xml><?xml version="1.0" encoding="utf-8"?>
 <p:sld xmlns:a="http://schemas.openxmlformats.org/drawingml/2006/main" xmlns:r="http://schemas.openxmlformats.org/officeDocument/2006/relationships" xmlns:p="http://schemas.openxmlformats.org/presentationml/2006/main">
   <p:cSld>
     <p:spTree>
@@ -8731,7 +5314,7 @@
 </p:sld>
 </file>
 
-<file path=ppt/slides/slide6.xml><?xml version="1.0" encoding="utf-8"?>
+<file path=ppt/slides/slide4.xml><?xml version="1.0" encoding="utf-8"?>
 <p:sld xmlns:a="http://schemas.openxmlformats.org/drawingml/2006/main" xmlns:r="http://schemas.openxmlformats.org/officeDocument/2006/relationships" xmlns:p="http://schemas.openxmlformats.org/presentationml/2006/main">
   <p:cSld>
     <p:spTree>
@@ -8922,7 +5505,7 @@
         </p:nvSpPr>
         <p:spPr>
           <a:xfrm>
-            <a:off x="0" y="31750"/>
+            <a:off x="0" y="6350"/>
             <a:ext cx="12207240" cy="587375"/>
           </a:xfrm>
           <a:prstGeom prst="rect">
@@ -9165,6 +5748,13 @@
               </a:rPr>
               <a:t>PhBDI</a:t>
             </a:r>
+            <a:r>
+              <a:rPr lang="en-US" altLang="zh-CN" sz="2400" b="1" baseline="30000">
+                <a:latin typeface="Times New Roman" panose="02020603050405020304" charset="0"/>
+                <a:cs typeface="Times New Roman" panose="02020603050405020304" charset="0"/>
+              </a:rPr>
+              <a:t>-</a:t>
+            </a:r>
             <a:endParaRPr lang="en-US" altLang="zh-CN" sz="2400" b="1">
               <a:latin typeface="Times New Roman" panose="02020603050405020304" charset="0"/>
               <a:cs typeface="Times New Roman" panose="02020603050405020304" charset="0"/>
@@ -9287,6 +5877,13 @@
                 <a:cs typeface="Times New Roman" panose="02020603050405020304" charset="0"/>
               </a:rPr>
               <a:t>Rhodamine</a:t>
+            </a:r>
+            <a:r>
+              <a:rPr lang="en-US" altLang="zh-CN" sz="2400" b="1" baseline="30000">
+                <a:latin typeface="Times New Roman" panose="02020603050405020304" charset="0"/>
+                <a:cs typeface="Times New Roman" panose="02020603050405020304" charset="0"/>
+              </a:rPr>
+              <a:t>+</a:t>
             </a:r>
             <a:endParaRPr lang="en-US" altLang="zh-CN" sz="2400" b="1">
               <a:latin typeface="Times New Roman" panose="02020603050405020304" charset="0"/>
@@ -9820,7 +6417,7 @@
 </p:sld>
 </file>
 
-<file path=ppt/slides/slide7.xml><?xml version="1.0" encoding="utf-8"?>
+<file path=ppt/slides/slide5.xml><?xml version="1.0" encoding="utf-8"?>
 <p:sld xmlns:a="http://schemas.openxmlformats.org/drawingml/2006/main" xmlns:r="http://schemas.openxmlformats.org/officeDocument/2006/relationships" xmlns:p="http://schemas.openxmlformats.org/presentationml/2006/main">
   <p:cSld>
     <p:spTree>
@@ -10118,18 +6715,22 @@
           <p:cNvPicPr>
             <a:picLocks noChangeAspect="1"/>
           </p:cNvPicPr>
-          <p:nvPr/>
+          <p:nvPr>
+            <p:custDataLst>
+              <p:tags r:id="rId4"/>
+            </p:custDataLst>
+          </p:nvPr>
         </p:nvPicPr>
         <p:blipFill>
-          <a:blip r:embed="rId4"/>
+          <a:blip r:embed="rId5"/>
           <a:stretch>
             <a:fillRect/>
           </a:stretch>
         </p:blipFill>
         <p:spPr>
           <a:xfrm>
-            <a:off x="5852160" y="626745"/>
-            <a:ext cx="6374765" cy="2656205"/>
+            <a:off x="0" y="594360"/>
+            <a:ext cx="6120000" cy="2550051"/>
           </a:xfrm>
           <a:prstGeom prst="rect">
             <a:avLst/>
@@ -10142,7 +6743,7 @@
           <p:cNvSpPr txBox="1"/>
           <p:nvPr>
             <p:custDataLst>
-              <p:tags r:id="rId5"/>
+              <p:tags r:id="rId6"/>
             </p:custDataLst>
           </p:nvPr>
         </p:nvSpPr>
@@ -10167,7 +6768,7 @@
                 <a:latin typeface="Times New Roman" panose="02020603050405020304" charset="0"/>
                 <a:cs typeface="Times New Roman" panose="02020603050405020304" charset="0"/>
               </a:rPr>
-              <a:t>TensorNet model for PhBDI⁻, trained on 250/500/1000/2000 frames with 50/100/200/400 validation frames, and tested on same 400 frames in total. MAE=1/</a:t>
+              <a:t>TensorNet model for PhBDI⁻, trained on 250/500/1000/2000 frames with 50/100/200/400 validation frames, and tested on same 400 frames in total. MAE=0.11/</a:t>
             </a:r>
             <a:r>
               <a:rPr lang="en-US">
@@ -10175,14 +6776,14 @@
                 <a:cs typeface="Times New Roman" panose="02020603050405020304" charset="0"/>
                 <a:sym typeface="+mn-ea"/>
               </a:rPr>
-              <a:t>0.11</a:t>
+              <a:t>0.06</a:t>
             </a:r>
             <a:r>
               <a:rPr lang="en-US">
                 <a:latin typeface="Times New Roman" panose="02020603050405020304" charset="0"/>
                 <a:cs typeface="Times New Roman" panose="02020603050405020304" charset="0"/>
               </a:rPr>
-              <a:t>/1/0.04, RMSE=1/0.12/1/0.05 kcal/mol for energy and  MAE=1/0.22/1/0.12, RMSE=1/0.72/1/0.81 kcal/mol·Å for force. </a:t>
+              <a:t>/0.02/0.04, RMSE=0.12/0.09/0.04/0.05 kcal/mol for energy and  MAE=0.22/0.28/0.08/0.12, RMSE=0.72/0.55/0.36/0.81 kcal/mol·Å for force. </a:t>
             </a:r>
             <a:endParaRPr lang="en-US">
               <a:latin typeface="Times New Roman" panose="02020603050405020304" charset="0"/>
@@ -10197,7 +6798,7 @@
           <p:cNvSpPr txBox="1"/>
           <p:nvPr>
             <p:custDataLst>
-              <p:tags r:id="rId6"/>
+              <p:tags r:id="rId7"/>
             </p:custDataLst>
           </p:nvPr>
         </p:nvSpPr>
@@ -10271,18 +6872,22 @@
           <p:cNvPicPr>
             <a:picLocks noChangeAspect="1"/>
           </p:cNvPicPr>
-          <p:nvPr/>
+          <p:nvPr>
+            <p:custDataLst>
+              <p:tags r:id="rId8"/>
+            </p:custDataLst>
+          </p:nvPr>
         </p:nvPicPr>
         <p:blipFill>
-          <a:blip r:embed="rId7"/>
+          <a:blip r:embed="rId9"/>
           <a:stretch>
             <a:fillRect/>
           </a:stretch>
         </p:blipFill>
         <p:spPr>
           <a:xfrm>
-            <a:off x="5893435" y="3119755"/>
-            <a:ext cx="6292215" cy="2621280"/>
+            <a:off x="6071870" y="3145155"/>
+            <a:ext cx="6120000" cy="2549537"/>
           </a:xfrm>
           <a:prstGeom prst="rect">
             <a:avLst/>
@@ -10295,7 +6900,7 @@
           <p:cNvSpPr txBox="1"/>
           <p:nvPr>
             <p:custDataLst>
-              <p:tags r:id="rId8"/>
+              <p:tags r:id="rId10"/>
             </p:custDataLst>
           </p:nvPr>
         </p:nvSpPr>
@@ -10335,13 +6940,181 @@
           <p:cNvSpPr txBox="1"/>
           <p:nvPr>
             <p:custDataLst>
-              <p:tags r:id="rId9"/>
+              <p:tags r:id="rId11"/>
             </p:custDataLst>
           </p:nvPr>
         </p:nvSpPr>
         <p:spPr>
           <a:xfrm>
             <a:off x="8401685" y="2969895"/>
+            <a:ext cx="1275715" cy="395605"/>
+          </a:xfrm>
+          <a:prstGeom prst="rect">
+            <a:avLst/>
+          </a:prstGeom>
+          <a:noFill/>
+        </p:spPr>
+        <p:txBody>
+          <a:bodyPr wrap="square" rtlCol="0" anchor="t">
+            <a:noAutofit/>
+          </a:bodyPr>
+          <a:p>
+            <a:pPr algn="ctr"/>
+            <a:r>
+              <a:rPr lang="en-US" sz="1000" b="1">
+                <a:latin typeface="Times New Roman" panose="02020603050405020304" charset="0"/>
+                <a:cs typeface="Times New Roman" panose="02020603050405020304" charset="0"/>
+              </a:rPr>
+              <a:t>(500 frames)</a:t>
+            </a:r>
+            <a:endParaRPr lang="en-US" sz="1000" b="1">
+              <a:latin typeface="Times New Roman" panose="02020603050405020304" charset="0"/>
+              <a:cs typeface="Times New Roman" panose="02020603050405020304" charset="0"/>
+            </a:endParaRPr>
+          </a:p>
+        </p:txBody>
+      </p:sp>
+      <p:pic>
+        <p:nvPicPr>
+          <p:cNvPr id="2" name="圖片 1" descr="torchmdnetphbdi_tddft_1000"/>
+          <p:cNvPicPr>
+            <a:picLocks noChangeAspect="1"/>
+          </p:cNvPicPr>
+          <p:nvPr/>
+        </p:nvPicPr>
+        <p:blipFill>
+          <a:blip r:embed="rId12"/>
+          <a:stretch>
+            <a:fillRect/>
+          </a:stretch>
+        </p:blipFill>
+        <p:spPr>
+          <a:xfrm>
+            <a:off x="-6350" y="3144520"/>
+            <a:ext cx="6120000" cy="2550365"/>
+          </a:xfrm>
+          <a:prstGeom prst="rect">
+            <a:avLst/>
+          </a:prstGeom>
+        </p:spPr>
+      </p:pic>
+      <p:sp>
+        <p:nvSpPr>
+          <p:cNvPr id="3" name="文本框 17"/>
+          <p:cNvSpPr txBox="1"/>
+          <p:nvPr>
+            <p:custDataLst>
+              <p:tags r:id="rId13"/>
+            </p:custDataLst>
+          </p:nvPr>
+        </p:nvSpPr>
+        <p:spPr>
+          <a:xfrm>
+            <a:off x="2371725" y="5436870"/>
+            <a:ext cx="1275715" cy="395605"/>
+          </a:xfrm>
+          <a:prstGeom prst="rect">
+            <a:avLst/>
+          </a:prstGeom>
+          <a:noFill/>
+        </p:spPr>
+        <p:txBody>
+          <a:bodyPr wrap="square" rtlCol="0" anchor="t">
+            <a:noAutofit/>
+          </a:bodyPr>
+          <a:p>
+            <a:pPr algn="ctr"/>
+            <a:r>
+              <a:rPr lang="en-US" sz="1000" b="1">
+                <a:latin typeface="Times New Roman" panose="02020603050405020304" charset="0"/>
+                <a:cs typeface="Times New Roman" panose="02020603050405020304" charset="0"/>
+              </a:rPr>
+              <a:t>(1000 frames)</a:t>
+            </a:r>
+            <a:endParaRPr lang="en-US" sz="1000" b="1">
+              <a:latin typeface="Times New Roman" panose="02020603050405020304" charset="0"/>
+              <a:cs typeface="Times New Roman" panose="02020603050405020304" charset="0"/>
+            </a:endParaRPr>
+          </a:p>
+        </p:txBody>
+      </p:sp>
+      <p:pic>
+        <p:nvPicPr>
+          <p:cNvPr id="4" name="圖片 3" descr="torchmdnet_phbdi_tddft_250"/>
+          <p:cNvPicPr>
+            <a:picLocks noChangeAspect="1"/>
+          </p:cNvPicPr>
+          <p:nvPr/>
+        </p:nvPicPr>
+        <p:blipFill>
+          <a:blip r:embed="rId14"/>
+          <a:stretch>
+            <a:fillRect/>
+          </a:stretch>
+        </p:blipFill>
+        <p:spPr>
+          <a:xfrm>
+            <a:off x="6087110" y="626745"/>
+            <a:ext cx="6120000" cy="2550000"/>
+          </a:xfrm>
+          <a:prstGeom prst="rect">
+            <a:avLst/>
+          </a:prstGeom>
+        </p:spPr>
+      </p:pic>
+      <p:sp>
+        <p:nvSpPr>
+          <p:cNvPr id="9" name="文本框 17"/>
+          <p:cNvSpPr txBox="1"/>
+          <p:nvPr>
+            <p:custDataLst>
+              <p:tags r:id="rId15"/>
+            </p:custDataLst>
+          </p:nvPr>
+        </p:nvSpPr>
+        <p:spPr>
+          <a:xfrm>
+            <a:off x="2371725" y="2969895"/>
+            <a:ext cx="1275715" cy="395605"/>
+          </a:xfrm>
+          <a:prstGeom prst="rect">
+            <a:avLst/>
+          </a:prstGeom>
+          <a:noFill/>
+        </p:spPr>
+        <p:txBody>
+          <a:bodyPr wrap="square" rtlCol="0" anchor="t">
+            <a:noAutofit/>
+          </a:bodyPr>
+          <a:p>
+            <a:pPr algn="ctr"/>
+            <a:r>
+              <a:rPr lang="en-US" sz="1000" b="1">
+                <a:latin typeface="Times New Roman" panose="02020603050405020304" charset="0"/>
+                <a:cs typeface="Times New Roman" panose="02020603050405020304" charset="0"/>
+              </a:rPr>
+              <a:t>(250 frames)</a:t>
+            </a:r>
+            <a:endParaRPr lang="en-US" sz="1000" b="1">
+              <a:latin typeface="Times New Roman" panose="02020603050405020304" charset="0"/>
+              <a:cs typeface="Times New Roman" panose="02020603050405020304" charset="0"/>
+            </a:endParaRPr>
+          </a:p>
+        </p:txBody>
+      </p:sp>
+      <p:sp>
+        <p:nvSpPr>
+          <p:cNvPr id="13" name="文本框 17"/>
+          <p:cNvSpPr txBox="1"/>
+          <p:nvPr>
+            <p:custDataLst>
+              <p:tags r:id="rId16"/>
+            </p:custDataLst>
+          </p:nvPr>
+        </p:nvSpPr>
+        <p:spPr>
+          <a:xfrm>
+            <a:off x="8528685" y="2897505"/>
             <a:ext cx="1275715" cy="395605"/>
           </a:xfrm>
           <a:prstGeom prst="rect">
@@ -10377,7 +7150,7 @@
 </p:sld>
 </file>
 
-<file path=ppt/slides/slide8.xml><?xml version="1.0" encoding="utf-8"?>
+<file path=ppt/slides/slide6.xml><?xml version="1.0" encoding="utf-8"?>
 <p:sld xmlns:a="http://schemas.openxmlformats.org/drawingml/2006/main" xmlns:r="http://schemas.openxmlformats.org/officeDocument/2006/relationships" xmlns:p="http://schemas.openxmlformats.org/presentationml/2006/main">
   <p:cSld>
     <p:spTree>
@@ -11013,7 +7786,7 @@
 
 <file path=ppt/tags/tag45.xml><?xml version="1.0" encoding="utf-8"?>
 <p:tagLst xmlns:p="http://schemas.openxmlformats.org/presentationml/2006/main">
-  <p:tag name="KSO_WM_BEAUTIFY_FLAG" val=""/>
+  <p:tag name="KSO_WM_DIAGRAM_VIRTUALLY_FRAME" val="{&quot;height&quot;:417.8,&quot;left&quot;:0,&quot;top&quot;:41.45,&quot;width&quot;:963.7897705078125}"/>
 </p:tagLst>
 </file>
 
@@ -11031,13 +7804,14 @@
 
 <file path=ppt/tags/tag48.xml><?xml version="1.0" encoding="utf-8"?>
 <p:tagLst xmlns:p="http://schemas.openxmlformats.org/presentationml/2006/main">
-  <p:tag name="KSO_WM_BEAUTIFY_FLAG" val=""/>
+  <p:tag name="KSO_WM_DIAGRAM_VIRTUALLY_FRAME" val="{&quot;height&quot;:417.8,&quot;left&quot;:0,&quot;top&quot;:41.45,&quot;width&quot;:963.7897705078125}"/>
 </p:tagLst>
 </file>
 
 <file path=ppt/tags/tag49.xml><?xml version="1.0" encoding="utf-8"?>
 <p:tagLst xmlns:p="http://schemas.openxmlformats.org/presentationml/2006/main">
   <p:tag name="KSO_WM_BEAUTIFY_FLAG" val=""/>
+  <p:tag name="KSO_WM_DIAGRAM_VIRTUALLY_FRAME" val="{&quot;height&quot;:417.8,&quot;left&quot;:0,&quot;top&quot;:41.45,&quot;width&quot;:963.7897705078125}"/>
 </p:tagLst>
 </file>
 
@@ -11050,24 +7824,28 @@
 <file path=ppt/tags/tag50.xml><?xml version="1.0" encoding="utf-8"?>
 <p:tagLst xmlns:p="http://schemas.openxmlformats.org/presentationml/2006/main">
   <p:tag name="KSO_WM_BEAUTIFY_FLAG" val=""/>
+  <p:tag name="KSO_WM_DIAGRAM_VIRTUALLY_FRAME" val="{&quot;height&quot;:417.8,&quot;left&quot;:0,&quot;top&quot;:41.45,&quot;width&quot;:963.7897705078125}"/>
 </p:tagLst>
 </file>
 
 <file path=ppt/tags/tag51.xml><?xml version="1.0" encoding="utf-8"?>
 <p:tagLst xmlns:p="http://schemas.openxmlformats.org/presentationml/2006/main">
   <p:tag name="KSO_WM_BEAUTIFY_FLAG" val=""/>
+  <p:tag name="KSO_WM_DIAGRAM_VIRTUALLY_FRAME" val="{&quot;height&quot;:409.9,&quot;left&quot;:460.8,&quot;top&quot;:49.35,&quot;width&quot;:501.95}"/>
 </p:tagLst>
 </file>
 
 <file path=ppt/tags/tag52.xml><?xml version="1.0" encoding="utf-8"?>
 <p:tagLst xmlns:p="http://schemas.openxmlformats.org/presentationml/2006/main">
   <p:tag name="KSO_WM_BEAUTIFY_FLAG" val=""/>
+  <p:tag name="KSO_WM_DIAGRAM_VIRTUALLY_FRAME" val="{&quot;height&quot;:409.9,&quot;left&quot;:460.8,&quot;top&quot;:49.35,&quot;width&quot;:501.95}"/>
 </p:tagLst>
 </file>
 
 <file path=ppt/tags/tag53.xml><?xml version="1.0" encoding="utf-8"?>
 <p:tagLst xmlns:p="http://schemas.openxmlformats.org/presentationml/2006/main">
   <p:tag name="KSO_WM_BEAUTIFY_FLAG" val=""/>
+  <p:tag name="KSO_WM_DIAGRAM_VIRTUALLY_FRAME" val="{&quot;height&quot;:417.8,&quot;left&quot;:0,&quot;top&quot;:41.45,&quot;width&quot;:963.7897705078125}"/>
 </p:tagLst>
 </file>
 
@@ -11377,257 +8155,6 @@
 </file>
 
 <file path=ppt/theme/theme2.xml><?xml version="1.0" encoding="utf-8"?>
-<a:theme xmlns:a="http://schemas.openxmlformats.org/drawingml/2006/main" name="1_WPS">
-  <a:themeElements>
-    <a:clrScheme name="WPS">
-      <a:dk1>
-        <a:sysClr val="windowText" lastClr="000000"/>
-      </a:dk1>
-      <a:lt1>
-        <a:sysClr val="window" lastClr="FFFFFF"/>
-      </a:lt1>
-      <a:dk2>
-        <a:srgbClr val="44546A"/>
-      </a:dk2>
-      <a:lt2>
-        <a:srgbClr val="E7E6E6"/>
-      </a:lt2>
-      <a:accent1>
-        <a:srgbClr val="4874CB"/>
-      </a:accent1>
-      <a:accent2>
-        <a:srgbClr val="EE822F"/>
-      </a:accent2>
-      <a:accent3>
-        <a:srgbClr val="F2BA02"/>
-      </a:accent3>
-      <a:accent4>
-        <a:srgbClr val="75BD42"/>
-      </a:accent4>
-      <a:accent5>
-        <a:srgbClr val="30C0B4"/>
-      </a:accent5>
-      <a:accent6>
-        <a:srgbClr val="E54C5E"/>
-      </a:accent6>
-      <a:hlink>
-        <a:srgbClr val="0026E5"/>
-      </a:hlink>
-      <a:folHlink>
-        <a:srgbClr val="7E1FAD"/>
-      </a:folHlink>
-    </a:clrScheme>
-    <a:fontScheme name="WPS">
-      <a:majorFont>
-        <a:latin typeface="Calibri"/>
-        <a:ea typeface=""/>
-        <a:cs typeface=""/>
-        <a:font script="Jpan" typeface="ＭＳ Ｐゴシック"/>
-        <a:font script="Hang" typeface="맑은 고딕"/>
-        <a:font script="Hans" typeface="微软雅黑"/>
-        <a:font script="Hant" typeface="新細明體"/>
-        <a:font script="Arab" typeface="Times New Roman"/>
-        <a:font script="Hebr" typeface="Times New Roman"/>
-        <a:font script="Thai" typeface="Angsana New"/>
-        <a:font script="Ethi" typeface="Nyala"/>
-        <a:font script="Beng" typeface="Vrinda"/>
-        <a:font script="Gujr" typeface="Shruti"/>
-        <a:font script="Khmr" typeface="MoolBoran"/>
-        <a:font script="Knda" typeface="Tunga"/>
-        <a:font script="Guru" typeface="Raavi"/>
-        <a:font script="Cans" typeface="Euphemia"/>
-        <a:font script="Cher" typeface="Plantagenet Cherokee"/>
-        <a:font script="Yiii" typeface="Microsoft Yi Baiti"/>
-        <a:font script="Tibt" typeface="Microsoft Himalaya"/>
-        <a:font script="Thaa" typeface="MV Boli"/>
-        <a:font script="Deva" typeface="Mangal"/>
-        <a:font script="Telu" typeface="Gautami"/>
-        <a:font script="Taml" typeface="Latha"/>
-        <a:font script="Syrc" typeface="Estrangelo Edessa"/>
-        <a:font script="Orya" typeface="Kalinga"/>
-        <a:font script="Mlym" typeface="Kartika"/>
-        <a:font script="Laoo" typeface="DokChampa"/>
-        <a:font script="Sinh" typeface="Iskoola Pota"/>
-        <a:font script="Mong" typeface="Mongolian Baiti"/>
-        <a:font script="Viet" typeface="Times New Roman"/>
-        <a:font script="Uigh" typeface="Microsoft Uighur"/>
-        <a:font script="Geor" typeface="Sylfaen"/>
-      </a:majorFont>
-      <a:minorFont>
-        <a:latin typeface="Calibri"/>
-        <a:ea typeface=""/>
-        <a:cs typeface=""/>
-        <a:font script="Jpan" typeface="ＭＳ Ｐゴシック"/>
-        <a:font script="Hang" typeface="맑은 고딕"/>
-        <a:font script="Hans" typeface="微软雅黑"/>
-        <a:font script="Hant" typeface="新細明體"/>
-        <a:font script="Arab" typeface="Arial"/>
-        <a:font script="Hebr" typeface="Arial"/>
-        <a:font script="Thai" typeface="Cordia New"/>
-        <a:font script="Ethi" typeface="Nyala"/>
-        <a:font script="Beng" typeface="Vrinda"/>
-        <a:font script="Gujr" typeface="Shruti"/>
-        <a:font script="Khmr" typeface="DaunPenh"/>
-        <a:font script="Knda" typeface="Tunga"/>
-        <a:font script="Guru" typeface="Raavi"/>
-        <a:font script="Cans" typeface="Euphemia"/>
-        <a:font script="Cher" typeface="Plantagenet Cherokee"/>
-        <a:font script="Yiii" typeface="Microsoft Yi Baiti"/>
-        <a:font script="Tibt" typeface="Microsoft Himalaya"/>
-        <a:font script="Thaa" typeface="MV Boli"/>
-        <a:font script="Deva" typeface="Mangal"/>
-        <a:font script="Telu" typeface="Gautami"/>
-        <a:font script="Taml" typeface="Latha"/>
-        <a:font script="Syrc" typeface="Estrangelo Edessa"/>
-        <a:font script="Orya" typeface="Kalinga"/>
-        <a:font script="Mlym" typeface="Kartika"/>
-        <a:font script="Laoo" typeface="DokChampa"/>
-        <a:font script="Sinh" typeface="Iskoola Pota"/>
-        <a:font script="Mong" typeface="Mongolian Baiti"/>
-        <a:font script="Viet" typeface="Arial"/>
-        <a:font script="Uigh" typeface="Microsoft Uighur"/>
-        <a:font script="Geor" typeface="Sylfaen"/>
-      </a:minorFont>
-    </a:fontScheme>
-    <a:fmtScheme name="WPS">
-      <a:fillStyleLst>
-        <a:solidFill>
-          <a:schemeClr val="phClr"/>
-        </a:solidFill>
-        <a:gradFill>
-          <a:gsLst>
-            <a:gs pos="0">
-              <a:schemeClr val="phClr">
-                <a:lumOff val="17500"/>
-              </a:schemeClr>
-            </a:gs>
-            <a:gs pos="100000">
-              <a:schemeClr val="phClr"/>
-            </a:gs>
-          </a:gsLst>
-          <a:lin ang="2700000" scaled="0"/>
-        </a:gradFill>
-        <a:gradFill>
-          <a:gsLst>
-            <a:gs pos="0">
-              <a:schemeClr val="phClr">
-                <a:hueOff val="-2520000"/>
-              </a:schemeClr>
-            </a:gs>
-            <a:gs pos="100000">
-              <a:schemeClr val="phClr"/>
-            </a:gs>
-          </a:gsLst>
-          <a:lin ang="2700000" scaled="0"/>
-        </a:gradFill>
-      </a:fillStyleLst>
-      <a:lnStyleLst>
-        <a:ln w="12700" cap="flat" cmpd="sng" algn="ctr">
-          <a:solidFill>
-            <a:schemeClr val="phClr"/>
-          </a:solidFill>
-          <a:prstDash val="solid"/>
-          <a:miter lim="800000"/>
-        </a:ln>
-        <a:ln w="12700" cap="flat" cmpd="sng" algn="ctr">
-          <a:solidFill>
-            <a:schemeClr val="phClr"/>
-          </a:solidFill>
-          <a:prstDash val="solid"/>
-          <a:miter lim="800000"/>
-        </a:ln>
-        <a:ln w="12700" cap="flat" cmpd="sng" algn="ctr">
-          <a:gradFill>
-            <a:gsLst>
-              <a:gs pos="0">
-                <a:schemeClr val="phClr">
-                  <a:hueOff val="-4200000"/>
-                </a:schemeClr>
-              </a:gs>
-              <a:gs pos="100000">
-                <a:schemeClr val="phClr"/>
-              </a:gs>
-            </a:gsLst>
-            <a:lin ang="2700000" scaled="1"/>
-          </a:gradFill>
-          <a:prstDash val="solid"/>
-          <a:miter lim="800000"/>
-        </a:ln>
-      </a:lnStyleLst>
-      <a:effectStyleLst>
-        <a:effectStyle>
-          <a:effectLst>
-            <a:outerShdw blurRad="101600" dist="50800" dir="5400000" algn="ctr" rotWithShape="0">
-              <a:schemeClr val="phClr">
-                <a:alpha val="60000"/>
-              </a:schemeClr>
-            </a:outerShdw>
-          </a:effectLst>
-        </a:effectStyle>
-        <a:effectStyle>
-          <a:effectLst>
-            <a:reflection stA="50000" endA="300" endPos="40000" dist="25400" dir="5400000" sy="-100000" algn="bl" rotWithShape="0"/>
-          </a:effectLst>
-        </a:effectStyle>
-        <a:effectStyle>
-          <a:effectLst>
-            <a:outerShdw blurRad="57150" dist="19050" dir="5400000" algn="ctr" rotWithShape="0">
-              <a:srgbClr val="000000">
-                <a:alpha val="63000"/>
-              </a:srgbClr>
-            </a:outerShdw>
-          </a:effectLst>
-        </a:effectStyle>
-      </a:effectStyleLst>
-      <a:bgFillStyleLst>
-        <a:solidFill>
-          <a:schemeClr val="phClr"/>
-        </a:solidFill>
-        <a:solidFill>
-          <a:schemeClr val="phClr">
-            <a:tint val="95000"/>
-            <a:satMod val="170000"/>
-          </a:schemeClr>
-        </a:solidFill>
-        <a:gradFill rotWithShape="1">
-          <a:gsLst>
-            <a:gs pos="0">
-              <a:schemeClr val="phClr">
-                <a:tint val="93000"/>
-                <a:satMod val="150000"/>
-                <a:shade val="98000"/>
-                <a:lumMod val="102000"/>
-              </a:schemeClr>
-            </a:gs>
-            <a:gs pos="50000">
-              <a:schemeClr val="phClr">
-                <a:tint val="98000"/>
-                <a:satMod val="130000"/>
-                <a:shade val="90000"/>
-                <a:lumMod val="103000"/>
-              </a:schemeClr>
-            </a:gs>
-            <a:gs pos="100000">
-              <a:schemeClr val="phClr">
-                <a:shade val="63000"/>
-                <a:satMod val="120000"/>
-              </a:schemeClr>
-            </a:gs>
-          </a:gsLst>
-          <a:lin ang="5400000" scaled="0"/>
-        </a:gradFill>
-      </a:bgFillStyleLst>
-    </a:fmtScheme>
-  </a:themeElements>
-  <a:extLst>
-    <a:ext uri="{05A4C25C-085E-4340-85A3-A5531E510DB2}">
-      <thm15:themeFamily xmlns:thm15="http://schemas.microsoft.com/office/thememl/2012/main" name="Office Theme" id="{62F939B6-93AF-4DB8-9C6B-D6C7DFDC589F}" vid="{4A3C46E8-61CC-4603-A589-7422A47A8E4A}"/>
-    </a:ext>
-  </a:extLst>
-</a:theme>
-</file>
-
-<file path=ppt/theme/theme3.xml><?xml version="1.0" encoding="utf-8"?>
 <a:theme xmlns:a="http://schemas.openxmlformats.org/drawingml/2006/main" name="Office 主题">
   <a:themeElements>
     <a:clrScheme name="Office">

--- a/notes/ML-TDDFT.pptx
+++ b/notes/ML-TDDFT.pptx
@@ -10128,8 +10128,8 @@
         </p:blipFill>
         <p:spPr>
           <a:xfrm>
-            <a:off x="5852160" y="626745"/>
-            <a:ext cx="6374765" cy="2656205"/>
+            <a:off x="19050" y="619125"/>
+            <a:ext cx="6120000" cy="2550051"/>
           </a:xfrm>
           <a:prstGeom prst="rect">
             <a:avLst/>
@@ -10167,7 +10167,7 @@
                 <a:latin typeface="Times New Roman" panose="02020603050405020304" charset="0"/>
                 <a:cs typeface="Times New Roman" panose="02020603050405020304" charset="0"/>
               </a:rPr>
-              <a:t>TensorNet model for PhBDI⁻, trained on 250/500/1000/2000 frames with 50/100/200/400 validation frames, and tested on same 400 frames in total. MAE=1/</a:t>
+              <a:t>TensorNet model for PhBDI⁻, trained on 250/500/1000/2000 frames with 50/100/200/400 validation frames, and tested on same 400 frames in total. MAE=0.11/</a:t>
             </a:r>
             <a:r>
               <a:rPr lang="en-US">
@@ -10175,14 +10175,14 @@
                 <a:cs typeface="Times New Roman" panose="02020603050405020304" charset="0"/>
                 <a:sym typeface="+mn-ea"/>
               </a:rPr>
-              <a:t>0.11</a:t>
+              <a:t>0.06</a:t>
             </a:r>
             <a:r>
               <a:rPr lang="en-US">
                 <a:latin typeface="Times New Roman" panose="02020603050405020304" charset="0"/>
                 <a:cs typeface="Times New Roman" panose="02020603050405020304" charset="0"/>
               </a:rPr>
-              <a:t>/1/0.04, RMSE=1/0.12/1/0.05 kcal/mol for energy and  MAE=1/0.22/1/0.12, RMSE=1/0.72/1/0.81 kcal/mol·Å for force. </a:t>
+              <a:t>/0.02/0.04, RMSE=0.12/0.09/0.04/0.05 kcal/mol for energy and  MAE=0.22/0.28/0.09/0.12, RMSE=0.72/0.55/0.36/0.81 kcal/mol·Å for force. </a:t>
             </a:r>
             <a:endParaRPr lang="en-US">
               <a:latin typeface="Times New Roman" panose="02020603050405020304" charset="0"/>
@@ -10281,8 +10281,8 @@
         </p:blipFill>
         <p:spPr>
           <a:xfrm>
-            <a:off x="5893435" y="3119755"/>
-            <a:ext cx="6292215" cy="2621280"/>
+            <a:off x="6065520" y="3119755"/>
+            <a:ext cx="6120000" cy="2549537"/>
           </a:xfrm>
           <a:prstGeom prst="rect">
             <a:avLst/>
@@ -10341,7 +10341,7 @@
         </p:nvSpPr>
         <p:spPr>
           <a:xfrm>
-            <a:off x="8401685" y="2969895"/>
+            <a:off x="2568575" y="2962275"/>
             <a:ext cx="1275715" cy="395605"/>
           </a:xfrm>
           <a:prstGeom prst="rect">
@@ -10360,7 +10360,7 @@
                 <a:latin typeface="Times New Roman" panose="02020603050405020304" charset="0"/>
                 <a:cs typeface="Times New Roman" panose="02020603050405020304" charset="0"/>
               </a:rPr>
-              <a:t>(500 frames)</a:t>
+              <a:t>(250 frames)</a:t>
             </a:r>
             <a:endParaRPr lang="en-US" sz="1000" b="1">
               <a:latin typeface="Times New Roman" panose="02020603050405020304" charset="0"/>
@@ -10369,6 +10369,54 @@
           </a:p>
         </p:txBody>
       </p:sp>
+      <p:pic>
+        <p:nvPicPr>
+          <p:cNvPr id="2" name="图片 1" descr="tensornet_phbdi_tddft_500"/>
+          <p:cNvPicPr>
+            <a:picLocks noChangeAspect="1"/>
+          </p:cNvPicPr>
+          <p:nvPr/>
+        </p:nvPicPr>
+        <p:blipFill>
+          <a:blip r:embed="rId10"/>
+          <a:stretch>
+            <a:fillRect/>
+          </a:stretch>
+        </p:blipFill>
+        <p:spPr>
+          <a:xfrm>
+            <a:off x="6065520" y="619125"/>
+            <a:ext cx="6120000" cy="2550000"/>
+          </a:xfrm>
+          <a:prstGeom prst="rect">
+            <a:avLst/>
+          </a:prstGeom>
+        </p:spPr>
+      </p:pic>
+      <p:pic>
+        <p:nvPicPr>
+          <p:cNvPr id="3" name="图片 2" descr="energy_force_hexbin"/>
+          <p:cNvPicPr>
+            <a:picLocks noChangeAspect="1"/>
+          </p:cNvPicPr>
+          <p:nvPr/>
+        </p:nvPicPr>
+        <p:blipFill>
+          <a:blip r:embed="rId11"/>
+          <a:stretch>
+            <a:fillRect/>
+          </a:stretch>
+        </p:blipFill>
+        <p:spPr>
+          <a:xfrm>
+            <a:off x="19050" y="3076575"/>
+            <a:ext cx="6120000" cy="2550000"/>
+          </a:xfrm>
+          <a:prstGeom prst="rect">
+            <a:avLst/>
+          </a:prstGeom>
+        </p:spPr>
+      </p:pic>
     </p:spTree>
   </p:cSld>
   <p:clrMapOvr>
